--- a/RASD/Slideshow/rasd_show-anime.pptx
+++ b/RASD/Slideshow/rasd_show-anime.pptx
@@ -9,9 +9,9 @@
   </p:notesMasterIdLst>
   <p:sldIdLst>
     <p:sldId id="256" r:id="rId2"/>
-    <p:sldId id="265" r:id="rId3"/>
-    <p:sldId id="264" r:id="rId4"/>
-    <p:sldId id="259" r:id="rId5"/>
+    <p:sldId id="264" r:id="rId3"/>
+    <p:sldId id="259" r:id="rId4"/>
+    <p:sldId id="265" r:id="rId5"/>
     <p:sldId id="258" r:id="rId6"/>
     <p:sldId id="257" r:id="rId7"/>
     <p:sldId id="268" r:id="rId8"/>
@@ -210,7 +210,7 @@
           <a:p>
             <a:fld id="{490CE308-4786-4121-8EEE-F6043383D972}" type="datetimeFigureOut">
               <a:rPr lang="it-IT"/>
-              <a:t>15/11/2016</a:t>
+              <a:t>16/11/2016</a:t>
             </a:fld>
             <a:endParaRPr lang="it-IT"/>
           </a:p>
@@ -1055,7 +1055,7 @@
     </p:spTree>
     <p:extLst>
       <p:ext uri="{BB962C8B-B14F-4D97-AF65-F5344CB8AC3E}">
-        <p14:creationId xmlns:p14="http://schemas.microsoft.com/office/powerpoint/2010/main" val="4241537269"/>
+        <p14:creationId xmlns:p14="http://schemas.microsoft.com/office/powerpoint/2010/main" val="3735892890"/>
       </p:ext>
     </p:extLst>
   </p:cSld>
@@ -1139,7 +1139,7 @@
     </p:spTree>
     <p:extLst>
       <p:ext uri="{BB962C8B-B14F-4D97-AF65-F5344CB8AC3E}">
-        <p14:creationId xmlns:p14="http://schemas.microsoft.com/office/powerpoint/2010/main" val="3735892890"/>
+        <p14:creationId xmlns:p14="http://schemas.microsoft.com/office/powerpoint/2010/main" val="1505750707"/>
       </p:ext>
     </p:extLst>
   </p:cSld>
@@ -1223,7 +1223,7 @@
     </p:spTree>
     <p:extLst>
       <p:ext uri="{BB962C8B-B14F-4D97-AF65-F5344CB8AC3E}">
-        <p14:creationId xmlns:p14="http://schemas.microsoft.com/office/powerpoint/2010/main" val="1505750707"/>
+        <p14:creationId xmlns:p14="http://schemas.microsoft.com/office/powerpoint/2010/main" val="4241537269"/>
       </p:ext>
     </p:extLst>
   </p:cSld>
@@ -1837,7 +1837,7 @@
           <a:p>
             <a:fld id="{4AAD347D-5ACD-4C99-B74B-A9C85AD731AF}" type="datetimeFigureOut">
               <a:rPr lang="en-US" smtClean="0"/>
-              <a:t>11/15/2016</a:t>
+              <a:t>11/16/2016</a:t>
             </a:fld>
             <a:endParaRPr lang="en-US" dirty="0"/>
           </a:p>
@@ -2111,7 +2111,7 @@
           <a:p>
             <a:fld id="{4AAD347D-5ACD-4C99-B74B-A9C85AD731AF}" type="datetimeFigureOut">
               <a:rPr lang="en-US" smtClean="0"/>
-              <a:t>11/15/2016</a:t>
+              <a:t>11/16/2016</a:t>
             </a:fld>
             <a:endParaRPr lang="en-US" dirty="0"/>
           </a:p>
@@ -2305,7 +2305,7 @@
           <a:p>
             <a:fld id="{4AAD347D-5ACD-4C99-B74B-A9C85AD731AF}" type="datetimeFigureOut">
               <a:rPr lang="en-US" smtClean="0"/>
-              <a:t>11/15/2016</a:t>
+              <a:t>11/16/2016</a:t>
             </a:fld>
             <a:endParaRPr lang="en-US" dirty="0"/>
           </a:p>
@@ -2578,7 +2578,7 @@
           <a:p>
             <a:fld id="{4AAD347D-5ACD-4C99-B74B-A9C85AD731AF}" type="datetimeFigureOut">
               <a:rPr lang="en-US" smtClean="0"/>
-              <a:t>11/15/2016</a:t>
+              <a:t>11/16/2016</a:t>
             </a:fld>
             <a:endParaRPr lang="en-US" dirty="0"/>
           </a:p>
@@ -2919,7 +2919,7 @@
           <a:p>
             <a:fld id="{4AAD347D-5ACD-4C99-B74B-A9C85AD731AF}" type="datetimeFigureOut">
               <a:rPr lang="en-US" smtClean="0"/>
-              <a:t>11/15/2016</a:t>
+              <a:t>11/16/2016</a:t>
             </a:fld>
             <a:endParaRPr lang="en-US" dirty="0"/>
           </a:p>
@@ -3542,7 +3542,7 @@
           <a:p>
             <a:fld id="{4AAD347D-5ACD-4C99-B74B-A9C85AD731AF}" type="datetimeFigureOut">
               <a:rPr lang="en-US" smtClean="0"/>
-              <a:t>11/15/2016</a:t>
+              <a:t>11/16/2016</a:t>
             </a:fld>
             <a:endParaRPr lang="en-US" dirty="0"/>
           </a:p>
@@ -4399,7 +4399,7 @@
           <a:p>
             <a:fld id="{4AAD347D-5ACD-4C99-B74B-A9C85AD731AF}" type="datetimeFigureOut">
               <a:rPr lang="en-US" smtClean="0"/>
-              <a:t>11/15/2016</a:t>
+              <a:t>11/16/2016</a:t>
             </a:fld>
             <a:endParaRPr lang="en-US" dirty="0"/>
           </a:p>
@@ -4568,7 +4568,7 @@
           <a:p>
             <a:fld id="{4AAD347D-5ACD-4C99-B74B-A9C85AD731AF}" type="datetimeFigureOut">
               <a:rPr lang="en-US" smtClean="0"/>
-              <a:t>11/15/2016</a:t>
+              <a:t>11/16/2016</a:t>
             </a:fld>
             <a:endParaRPr lang="en-US" dirty="0"/>
           </a:p>
@@ -4747,7 +4747,7 @@
           <a:p>
             <a:fld id="{4AAD347D-5ACD-4C99-B74B-A9C85AD731AF}" type="datetimeFigureOut">
               <a:rPr lang="en-US" smtClean="0"/>
-              <a:t>11/15/2016</a:t>
+              <a:t>11/16/2016</a:t>
             </a:fld>
             <a:endParaRPr lang="en-US" dirty="0"/>
           </a:p>
@@ -4916,7 +4916,7 @@
           <a:p>
             <a:fld id="{4AAD347D-5ACD-4C99-B74B-A9C85AD731AF}" type="datetimeFigureOut">
               <a:rPr lang="en-US" smtClean="0"/>
-              <a:t>11/15/2016</a:t>
+              <a:t>11/16/2016</a:t>
             </a:fld>
             <a:endParaRPr lang="en-US" dirty="0"/>
           </a:p>
@@ -5163,7 +5163,7 @@
           <a:p>
             <a:fld id="{4AAD347D-5ACD-4C99-B74B-A9C85AD731AF}" type="datetimeFigureOut">
               <a:rPr lang="en-US" smtClean="0"/>
-              <a:t>11/15/2016</a:t>
+              <a:t>11/16/2016</a:t>
             </a:fld>
             <a:endParaRPr lang="en-US" dirty="0"/>
           </a:p>
@@ -5453,7 +5453,7 @@
           <a:p>
             <a:fld id="{4AAD347D-5ACD-4C99-B74B-A9C85AD731AF}" type="datetimeFigureOut">
               <a:rPr lang="en-US" smtClean="0"/>
-              <a:t>11/15/2016</a:t>
+              <a:t>11/16/2016</a:t>
             </a:fld>
             <a:endParaRPr lang="en-US" dirty="0"/>
           </a:p>
@@ -5895,7 +5895,7 @@
           <a:p>
             <a:fld id="{4AAD347D-5ACD-4C99-B74B-A9C85AD731AF}" type="datetimeFigureOut">
               <a:rPr lang="en-US" smtClean="0"/>
-              <a:t>11/15/2016</a:t>
+              <a:t>11/16/2016</a:t>
             </a:fld>
             <a:endParaRPr lang="en-US" dirty="0"/>
           </a:p>
@@ -6013,7 +6013,7 @@
           <a:p>
             <a:fld id="{4AAD347D-5ACD-4C99-B74B-A9C85AD731AF}" type="datetimeFigureOut">
               <a:rPr lang="en-US" smtClean="0"/>
-              <a:t>11/15/2016</a:t>
+              <a:t>11/16/2016</a:t>
             </a:fld>
             <a:endParaRPr lang="en-US" dirty="0"/>
           </a:p>
@@ -6109,7 +6109,7 @@
           <a:p>
             <a:fld id="{4AAD347D-5ACD-4C99-B74B-A9C85AD731AF}" type="datetimeFigureOut">
               <a:rPr lang="en-US" smtClean="0"/>
-              <a:t>11/15/2016</a:t>
+              <a:t>11/16/2016</a:t>
             </a:fld>
             <a:endParaRPr lang="en-US" dirty="0"/>
           </a:p>
@@ -6387,7 +6387,7 @@
           <a:p>
             <a:fld id="{4AAD347D-5ACD-4C99-B74B-A9C85AD731AF}" type="datetimeFigureOut">
               <a:rPr lang="en-US" smtClean="0"/>
-              <a:t>11/15/2016</a:t>
+              <a:t>11/16/2016</a:t>
             </a:fld>
             <a:endParaRPr lang="en-US" dirty="0"/>
           </a:p>
@@ -6661,7 +6661,7 @@
           <a:p>
             <a:fld id="{4AAD347D-5ACD-4C99-B74B-A9C85AD731AF}" type="datetimeFigureOut">
               <a:rPr lang="en-US" smtClean="0"/>
-              <a:t>11/15/2016</a:t>
+              <a:t>11/16/2016</a:t>
             </a:fld>
             <a:endParaRPr lang="en-US" dirty="0"/>
           </a:p>
@@ -7089,7 +7089,7 @@
           <a:p>
             <a:fld id="{4AAD347D-5ACD-4C99-B74B-A9C85AD731AF}" type="datetimeFigureOut">
               <a:rPr lang="en-US" smtClean="0"/>
-              <a:t>11/15/2016</a:t>
+              <a:t>11/16/2016</a:t>
             </a:fld>
             <a:endParaRPr lang="en-US" dirty="0"/>
           </a:p>
@@ -11131,6 +11131,2361 @@
       </p:grpSpPr>
       <p:sp>
         <p:nvSpPr>
+          <p:cNvPr id="2" name="Title 1"/>
+          <p:cNvSpPr>
+            <a:spLocks noGrp="1"/>
+          </p:cNvSpPr>
+          <p:nvPr>
+            <p:ph type="title"/>
+          </p:nvPr>
+        </p:nvSpPr>
+        <p:spPr/>
+        <p:txBody>
+          <a:bodyPr/>
+          <a:lstStyle/>
+          <a:p>
+            <a:r>
+              <a:rPr lang="EN-US" dirty="0"/>
+              <a:t>GOALS</a:t>
+            </a:r>
+          </a:p>
+        </p:txBody>
+      </p:sp>
+      <p:sp>
+        <p:nvSpPr>
+          <p:cNvPr id="3" name="Content Placeholder 2"/>
+          <p:cNvSpPr>
+            <a:spLocks noGrp="1"/>
+          </p:cNvSpPr>
+          <p:nvPr>
+            <p:ph idx="1"/>
+          </p:nvPr>
+        </p:nvSpPr>
+        <p:spPr>
+          <a:xfrm>
+            <a:off x="1103312" y="1316006"/>
+            <a:ext cx="9351327" cy="4932394"/>
+          </a:xfrm>
+        </p:spPr>
+        <p:txBody>
+          <a:bodyPr vert="horz" lIns="91440" tIns="45720" rIns="91440" bIns="45720" rtlCol="0" anchor="t">
+            <a:normAutofit/>
+          </a:bodyPr>
+          <a:lstStyle/>
+          <a:p>
+            <a:r>
+              <a:rPr lang="EN-US" dirty="0"/>
+              <a:t>[G1]  Allow any kind of user to view the map of the available nearby Cars. </a:t>
+            </a:r>
+          </a:p>
+          <a:p>
+            <a:r>
+              <a:rPr lang="EN-US" dirty="0"/>
+              <a:t>[G2]  Allow Visitor user to register to the service. </a:t>
+            </a:r>
+            <a:endParaRPr lang="en-US" dirty="0"/>
+          </a:p>
+          <a:p>
+            <a:r>
+              <a:rPr lang="EN-US" dirty="0"/>
+              <a:t>[G3]  Allow Visitor user to log-in and out as a </a:t>
+            </a:r>
+            <a:r>
+              <a:rPr lang="EN-US" dirty="0" err="1"/>
+              <a:t>PowerUser</a:t>
+            </a:r>
+            <a:r>
+              <a:rPr lang="EN-US" dirty="0"/>
+              <a:t>. </a:t>
+            </a:r>
+            <a:endParaRPr lang="en-US" dirty="0"/>
+          </a:p>
+          <a:p>
+            <a:r>
+              <a:rPr lang="EN-US" dirty="0"/>
+              <a:t>[G4]  Allow </a:t>
+            </a:r>
+            <a:r>
+              <a:rPr lang="EN-US" dirty="0" err="1"/>
+              <a:t>PowerUser</a:t>
+            </a:r>
+            <a:r>
+              <a:rPr lang="EN-US" dirty="0"/>
+              <a:t> to check the status of the Car. </a:t>
+            </a:r>
+            <a:endParaRPr lang="en-US" dirty="0"/>
+          </a:p>
+          <a:p>
+            <a:r>
+              <a:rPr lang="EN-US" dirty="0"/>
+              <a:t>[G5]  Allow </a:t>
+            </a:r>
+            <a:r>
+              <a:rPr lang="EN-US" dirty="0" err="1"/>
+              <a:t>PowerUser</a:t>
+            </a:r>
+            <a:r>
+              <a:rPr lang="EN-US" dirty="0"/>
+              <a:t> to reserve a Car. </a:t>
+            </a:r>
+            <a:endParaRPr lang="en-US" dirty="0"/>
+          </a:p>
+          <a:p>
+            <a:r>
+              <a:rPr lang="EN-US" dirty="0"/>
+              <a:t>[G6]  Allow </a:t>
+            </a:r>
+            <a:r>
+              <a:rPr lang="EN-US" dirty="0" err="1"/>
+              <a:t>PowerUser</a:t>
+            </a:r>
+            <a:r>
+              <a:rPr lang="EN-US" dirty="0"/>
+              <a:t> to cancel a reservation. </a:t>
+            </a:r>
+            <a:endParaRPr lang="en-US" dirty="0"/>
+          </a:p>
+          <a:p>
+            <a:r>
+              <a:rPr lang="EN-US" dirty="0"/>
+              <a:t>[G7]  Allow </a:t>
+            </a:r>
+            <a:r>
+              <a:rPr lang="EN-US" dirty="0" err="1"/>
+              <a:t>PowerUser</a:t>
+            </a:r>
+            <a:r>
+              <a:rPr lang="EN-US" dirty="0"/>
+              <a:t> to check the position of the reserved car. </a:t>
+            </a:r>
+            <a:endParaRPr lang="en-US" dirty="0"/>
+          </a:p>
+          <a:p>
+            <a:r>
+              <a:rPr lang="EN-US" b="1" dirty="0"/>
+              <a:t>[G8]  Allow </a:t>
+            </a:r>
+            <a:r>
+              <a:rPr lang="EN-US" b="1" dirty="0" err="1"/>
+              <a:t>PowerUser</a:t>
+            </a:r>
+            <a:r>
+              <a:rPr lang="EN-US" b="1" dirty="0"/>
+              <a:t> to unlock and enter the Car when inside the specific range. </a:t>
+            </a:r>
+            <a:endParaRPr lang="en-US" b="1" dirty="0"/>
+          </a:p>
+          <a:p>
+            <a:r>
+              <a:rPr lang="EN-US" dirty="0"/>
+              <a:t>[G9]  Allow </a:t>
+            </a:r>
+            <a:r>
+              <a:rPr lang="EN-US" dirty="0" err="1"/>
+              <a:t>PowerUser</a:t>
+            </a:r>
+            <a:r>
+              <a:rPr lang="EN-US" dirty="0"/>
+              <a:t> to get driving directions to his destination. </a:t>
+            </a:r>
+          </a:p>
+          <a:p>
+            <a:endParaRPr lang="en-US" dirty="0"/>
+          </a:p>
+        </p:txBody>
+      </p:sp>
+    </p:spTree>
+    <p:extLst>
+      <p:ext uri="{BB962C8B-B14F-4D97-AF65-F5344CB8AC3E}">
+        <p14:creationId xmlns:p14="http://schemas.microsoft.com/office/powerpoint/2010/main" val="2376774624"/>
+      </p:ext>
+    </p:extLst>
+  </p:cSld>
+  <p:clrMapOvr>
+    <a:masterClrMapping/>
+  </p:clrMapOvr>
+  <p:timing>
+    <p:tnLst>
+      <p:par>
+        <p:cTn id="1" dur="indefinite" restart="never" nodeType="tmRoot">
+          <p:childTnLst>
+            <p:seq concurrent="1" nextAc="seek">
+              <p:cTn id="2" dur="indefinite" nodeType="mainSeq">
+                <p:childTnLst>
+                  <p:par>
+                    <p:cTn id="3" fill="hold">
+                      <p:stCondLst>
+                        <p:cond delay="indefinite"/>
+                        <p:cond evt="onBegin" delay="0">
+                          <p:tn val="2"/>
+                        </p:cond>
+                      </p:stCondLst>
+                      <p:childTnLst>
+                        <p:par>
+                          <p:cTn id="4" fill="hold">
+                            <p:stCondLst>
+                              <p:cond delay="0"/>
+                            </p:stCondLst>
+                            <p:childTnLst>
+                              <p:par>
+                                <p:cTn id="5" presetID="10" presetClass="entr" presetSubtype="0" fill="hold" grpId="0" nodeType="withEffect">
+                                  <p:stCondLst>
+                                    <p:cond delay="0"/>
+                                  </p:stCondLst>
+                                  <p:childTnLst>
+                                    <p:set>
+                                      <p:cBhvr>
+                                        <p:cTn id="6" dur="1" fill="hold">
+                                          <p:stCondLst>
+                                            <p:cond delay="0"/>
+                                          </p:stCondLst>
+                                        </p:cTn>
+                                        <p:tgtEl>
+                                          <p:spTgt spid="2"/>
+                                        </p:tgtEl>
+                                        <p:attrNameLst>
+                                          <p:attrName>style.visibility</p:attrName>
+                                        </p:attrNameLst>
+                                      </p:cBhvr>
+                                      <p:to>
+                                        <p:strVal val="visible"/>
+                                      </p:to>
+                                    </p:set>
+                                    <p:animEffect transition="in" filter="fade">
+                                      <p:cBhvr>
+                                        <p:cTn id="7" dur="500"/>
+                                        <p:tgtEl>
+                                          <p:spTgt spid="2"/>
+                                        </p:tgtEl>
+                                      </p:cBhvr>
+                                    </p:animEffect>
+                                  </p:childTnLst>
+                                </p:cTn>
+                              </p:par>
+                            </p:childTnLst>
+                          </p:cTn>
+                        </p:par>
+                        <p:par>
+                          <p:cTn id="8" fill="hold">
+                            <p:stCondLst>
+                              <p:cond delay="500"/>
+                            </p:stCondLst>
+                            <p:childTnLst>
+                              <p:par>
+                                <p:cTn id="9" presetID="47" presetClass="entr" presetSubtype="0" fill="hold" grpId="0" nodeType="afterEffect">
+                                  <p:stCondLst>
+                                    <p:cond delay="0"/>
+                                  </p:stCondLst>
+                                  <p:childTnLst>
+                                    <p:set>
+                                      <p:cBhvr>
+                                        <p:cTn id="10" dur="1" fill="hold">
+                                          <p:stCondLst>
+                                            <p:cond delay="0"/>
+                                          </p:stCondLst>
+                                        </p:cTn>
+                                        <p:tgtEl>
+                                          <p:spTgt spid="3">
+                                            <p:txEl>
+                                              <p:pRg st="0" end="0"/>
+                                            </p:txEl>
+                                          </p:spTgt>
+                                        </p:tgtEl>
+                                        <p:attrNameLst>
+                                          <p:attrName>style.visibility</p:attrName>
+                                        </p:attrNameLst>
+                                      </p:cBhvr>
+                                      <p:to>
+                                        <p:strVal val="visible"/>
+                                      </p:to>
+                                    </p:set>
+                                    <p:animEffect transition="in" filter="fade">
+                                      <p:cBhvr>
+                                        <p:cTn id="11" dur="400"/>
+                                        <p:tgtEl>
+                                          <p:spTgt spid="3">
+                                            <p:txEl>
+                                              <p:pRg st="0" end="0"/>
+                                            </p:txEl>
+                                          </p:spTgt>
+                                        </p:tgtEl>
+                                      </p:cBhvr>
+                                    </p:animEffect>
+                                    <p:anim calcmode="lin" valueType="num">
+                                      <p:cBhvr>
+                                        <p:cTn id="12" dur="400" fill="hold"/>
+                                        <p:tgtEl>
+                                          <p:spTgt spid="3">
+                                            <p:txEl>
+                                              <p:pRg st="0" end="0"/>
+                                            </p:txEl>
+                                          </p:spTgt>
+                                        </p:tgtEl>
+                                        <p:attrNameLst>
+                                          <p:attrName>ppt_x</p:attrName>
+                                        </p:attrNameLst>
+                                      </p:cBhvr>
+                                      <p:tavLst>
+                                        <p:tav tm="0">
+                                          <p:val>
+                                            <p:strVal val="#ppt_x"/>
+                                          </p:val>
+                                        </p:tav>
+                                        <p:tav tm="100000">
+                                          <p:val>
+                                            <p:strVal val="#ppt_x"/>
+                                          </p:val>
+                                        </p:tav>
+                                      </p:tavLst>
+                                    </p:anim>
+                                    <p:anim calcmode="lin" valueType="num">
+                                      <p:cBhvr>
+                                        <p:cTn id="13" dur="400" fill="hold"/>
+                                        <p:tgtEl>
+                                          <p:spTgt spid="3">
+                                            <p:txEl>
+                                              <p:pRg st="0" end="0"/>
+                                            </p:txEl>
+                                          </p:spTgt>
+                                        </p:tgtEl>
+                                        <p:attrNameLst>
+                                          <p:attrName>ppt_y</p:attrName>
+                                        </p:attrNameLst>
+                                      </p:cBhvr>
+                                      <p:tavLst>
+                                        <p:tav tm="0">
+                                          <p:val>
+                                            <p:strVal val="#ppt_y-.1"/>
+                                          </p:val>
+                                        </p:tav>
+                                        <p:tav tm="100000">
+                                          <p:val>
+                                            <p:strVal val="#ppt_y"/>
+                                          </p:val>
+                                        </p:tav>
+                                      </p:tavLst>
+                                    </p:anim>
+                                  </p:childTnLst>
+                                </p:cTn>
+                              </p:par>
+                            </p:childTnLst>
+                          </p:cTn>
+                        </p:par>
+                        <p:par>
+                          <p:cTn id="14" fill="hold">
+                            <p:stCondLst>
+                              <p:cond delay="900"/>
+                            </p:stCondLst>
+                            <p:childTnLst>
+                              <p:par>
+                                <p:cTn id="15" presetID="47" presetClass="entr" presetSubtype="0" fill="hold" grpId="0" nodeType="afterEffect">
+                                  <p:stCondLst>
+                                    <p:cond delay="0"/>
+                                  </p:stCondLst>
+                                  <p:childTnLst>
+                                    <p:set>
+                                      <p:cBhvr>
+                                        <p:cTn id="16" dur="1" fill="hold">
+                                          <p:stCondLst>
+                                            <p:cond delay="0"/>
+                                          </p:stCondLst>
+                                        </p:cTn>
+                                        <p:tgtEl>
+                                          <p:spTgt spid="3">
+                                            <p:txEl>
+                                              <p:pRg st="1" end="1"/>
+                                            </p:txEl>
+                                          </p:spTgt>
+                                        </p:tgtEl>
+                                        <p:attrNameLst>
+                                          <p:attrName>style.visibility</p:attrName>
+                                        </p:attrNameLst>
+                                      </p:cBhvr>
+                                      <p:to>
+                                        <p:strVal val="visible"/>
+                                      </p:to>
+                                    </p:set>
+                                    <p:animEffect transition="in" filter="fade">
+                                      <p:cBhvr>
+                                        <p:cTn id="17" dur="400"/>
+                                        <p:tgtEl>
+                                          <p:spTgt spid="3">
+                                            <p:txEl>
+                                              <p:pRg st="1" end="1"/>
+                                            </p:txEl>
+                                          </p:spTgt>
+                                        </p:tgtEl>
+                                      </p:cBhvr>
+                                    </p:animEffect>
+                                    <p:anim calcmode="lin" valueType="num">
+                                      <p:cBhvr>
+                                        <p:cTn id="18" dur="400" fill="hold"/>
+                                        <p:tgtEl>
+                                          <p:spTgt spid="3">
+                                            <p:txEl>
+                                              <p:pRg st="1" end="1"/>
+                                            </p:txEl>
+                                          </p:spTgt>
+                                        </p:tgtEl>
+                                        <p:attrNameLst>
+                                          <p:attrName>ppt_x</p:attrName>
+                                        </p:attrNameLst>
+                                      </p:cBhvr>
+                                      <p:tavLst>
+                                        <p:tav tm="0">
+                                          <p:val>
+                                            <p:strVal val="#ppt_x"/>
+                                          </p:val>
+                                        </p:tav>
+                                        <p:tav tm="100000">
+                                          <p:val>
+                                            <p:strVal val="#ppt_x"/>
+                                          </p:val>
+                                        </p:tav>
+                                      </p:tavLst>
+                                    </p:anim>
+                                    <p:anim calcmode="lin" valueType="num">
+                                      <p:cBhvr>
+                                        <p:cTn id="19" dur="400" fill="hold"/>
+                                        <p:tgtEl>
+                                          <p:spTgt spid="3">
+                                            <p:txEl>
+                                              <p:pRg st="1" end="1"/>
+                                            </p:txEl>
+                                          </p:spTgt>
+                                        </p:tgtEl>
+                                        <p:attrNameLst>
+                                          <p:attrName>ppt_y</p:attrName>
+                                        </p:attrNameLst>
+                                      </p:cBhvr>
+                                      <p:tavLst>
+                                        <p:tav tm="0">
+                                          <p:val>
+                                            <p:strVal val="#ppt_y-.1"/>
+                                          </p:val>
+                                        </p:tav>
+                                        <p:tav tm="100000">
+                                          <p:val>
+                                            <p:strVal val="#ppt_y"/>
+                                          </p:val>
+                                        </p:tav>
+                                      </p:tavLst>
+                                    </p:anim>
+                                  </p:childTnLst>
+                                </p:cTn>
+                              </p:par>
+                            </p:childTnLst>
+                          </p:cTn>
+                        </p:par>
+                        <p:par>
+                          <p:cTn id="20" fill="hold">
+                            <p:stCondLst>
+                              <p:cond delay="1300"/>
+                            </p:stCondLst>
+                            <p:childTnLst>
+                              <p:par>
+                                <p:cTn id="21" presetID="47" presetClass="entr" presetSubtype="0" fill="hold" grpId="0" nodeType="afterEffect">
+                                  <p:stCondLst>
+                                    <p:cond delay="0"/>
+                                  </p:stCondLst>
+                                  <p:childTnLst>
+                                    <p:set>
+                                      <p:cBhvr>
+                                        <p:cTn id="22" dur="1" fill="hold">
+                                          <p:stCondLst>
+                                            <p:cond delay="0"/>
+                                          </p:stCondLst>
+                                        </p:cTn>
+                                        <p:tgtEl>
+                                          <p:spTgt spid="3">
+                                            <p:txEl>
+                                              <p:pRg st="2" end="2"/>
+                                            </p:txEl>
+                                          </p:spTgt>
+                                        </p:tgtEl>
+                                        <p:attrNameLst>
+                                          <p:attrName>style.visibility</p:attrName>
+                                        </p:attrNameLst>
+                                      </p:cBhvr>
+                                      <p:to>
+                                        <p:strVal val="visible"/>
+                                      </p:to>
+                                    </p:set>
+                                    <p:animEffect transition="in" filter="fade">
+                                      <p:cBhvr>
+                                        <p:cTn id="23" dur="400"/>
+                                        <p:tgtEl>
+                                          <p:spTgt spid="3">
+                                            <p:txEl>
+                                              <p:pRg st="2" end="2"/>
+                                            </p:txEl>
+                                          </p:spTgt>
+                                        </p:tgtEl>
+                                      </p:cBhvr>
+                                    </p:animEffect>
+                                    <p:anim calcmode="lin" valueType="num">
+                                      <p:cBhvr>
+                                        <p:cTn id="24" dur="400" fill="hold"/>
+                                        <p:tgtEl>
+                                          <p:spTgt spid="3">
+                                            <p:txEl>
+                                              <p:pRg st="2" end="2"/>
+                                            </p:txEl>
+                                          </p:spTgt>
+                                        </p:tgtEl>
+                                        <p:attrNameLst>
+                                          <p:attrName>ppt_x</p:attrName>
+                                        </p:attrNameLst>
+                                      </p:cBhvr>
+                                      <p:tavLst>
+                                        <p:tav tm="0">
+                                          <p:val>
+                                            <p:strVal val="#ppt_x"/>
+                                          </p:val>
+                                        </p:tav>
+                                        <p:tav tm="100000">
+                                          <p:val>
+                                            <p:strVal val="#ppt_x"/>
+                                          </p:val>
+                                        </p:tav>
+                                      </p:tavLst>
+                                    </p:anim>
+                                    <p:anim calcmode="lin" valueType="num">
+                                      <p:cBhvr>
+                                        <p:cTn id="25" dur="400" fill="hold"/>
+                                        <p:tgtEl>
+                                          <p:spTgt spid="3">
+                                            <p:txEl>
+                                              <p:pRg st="2" end="2"/>
+                                            </p:txEl>
+                                          </p:spTgt>
+                                        </p:tgtEl>
+                                        <p:attrNameLst>
+                                          <p:attrName>ppt_y</p:attrName>
+                                        </p:attrNameLst>
+                                      </p:cBhvr>
+                                      <p:tavLst>
+                                        <p:tav tm="0">
+                                          <p:val>
+                                            <p:strVal val="#ppt_y-.1"/>
+                                          </p:val>
+                                        </p:tav>
+                                        <p:tav tm="100000">
+                                          <p:val>
+                                            <p:strVal val="#ppt_y"/>
+                                          </p:val>
+                                        </p:tav>
+                                      </p:tavLst>
+                                    </p:anim>
+                                  </p:childTnLst>
+                                </p:cTn>
+                              </p:par>
+                            </p:childTnLst>
+                          </p:cTn>
+                        </p:par>
+                        <p:par>
+                          <p:cTn id="26" fill="hold">
+                            <p:stCondLst>
+                              <p:cond delay="1700"/>
+                            </p:stCondLst>
+                            <p:childTnLst>
+                              <p:par>
+                                <p:cTn id="27" presetID="47" presetClass="entr" presetSubtype="0" fill="hold" grpId="0" nodeType="afterEffect">
+                                  <p:stCondLst>
+                                    <p:cond delay="0"/>
+                                  </p:stCondLst>
+                                  <p:childTnLst>
+                                    <p:set>
+                                      <p:cBhvr>
+                                        <p:cTn id="28" dur="1" fill="hold">
+                                          <p:stCondLst>
+                                            <p:cond delay="0"/>
+                                          </p:stCondLst>
+                                        </p:cTn>
+                                        <p:tgtEl>
+                                          <p:spTgt spid="3">
+                                            <p:txEl>
+                                              <p:pRg st="3" end="3"/>
+                                            </p:txEl>
+                                          </p:spTgt>
+                                        </p:tgtEl>
+                                        <p:attrNameLst>
+                                          <p:attrName>style.visibility</p:attrName>
+                                        </p:attrNameLst>
+                                      </p:cBhvr>
+                                      <p:to>
+                                        <p:strVal val="visible"/>
+                                      </p:to>
+                                    </p:set>
+                                    <p:animEffect transition="in" filter="fade">
+                                      <p:cBhvr>
+                                        <p:cTn id="29" dur="400"/>
+                                        <p:tgtEl>
+                                          <p:spTgt spid="3">
+                                            <p:txEl>
+                                              <p:pRg st="3" end="3"/>
+                                            </p:txEl>
+                                          </p:spTgt>
+                                        </p:tgtEl>
+                                      </p:cBhvr>
+                                    </p:animEffect>
+                                    <p:anim calcmode="lin" valueType="num">
+                                      <p:cBhvr>
+                                        <p:cTn id="30" dur="400" fill="hold"/>
+                                        <p:tgtEl>
+                                          <p:spTgt spid="3">
+                                            <p:txEl>
+                                              <p:pRg st="3" end="3"/>
+                                            </p:txEl>
+                                          </p:spTgt>
+                                        </p:tgtEl>
+                                        <p:attrNameLst>
+                                          <p:attrName>ppt_x</p:attrName>
+                                        </p:attrNameLst>
+                                      </p:cBhvr>
+                                      <p:tavLst>
+                                        <p:tav tm="0">
+                                          <p:val>
+                                            <p:strVal val="#ppt_x"/>
+                                          </p:val>
+                                        </p:tav>
+                                        <p:tav tm="100000">
+                                          <p:val>
+                                            <p:strVal val="#ppt_x"/>
+                                          </p:val>
+                                        </p:tav>
+                                      </p:tavLst>
+                                    </p:anim>
+                                    <p:anim calcmode="lin" valueType="num">
+                                      <p:cBhvr>
+                                        <p:cTn id="31" dur="400" fill="hold"/>
+                                        <p:tgtEl>
+                                          <p:spTgt spid="3">
+                                            <p:txEl>
+                                              <p:pRg st="3" end="3"/>
+                                            </p:txEl>
+                                          </p:spTgt>
+                                        </p:tgtEl>
+                                        <p:attrNameLst>
+                                          <p:attrName>ppt_y</p:attrName>
+                                        </p:attrNameLst>
+                                      </p:cBhvr>
+                                      <p:tavLst>
+                                        <p:tav tm="0">
+                                          <p:val>
+                                            <p:strVal val="#ppt_y-.1"/>
+                                          </p:val>
+                                        </p:tav>
+                                        <p:tav tm="100000">
+                                          <p:val>
+                                            <p:strVal val="#ppt_y"/>
+                                          </p:val>
+                                        </p:tav>
+                                      </p:tavLst>
+                                    </p:anim>
+                                  </p:childTnLst>
+                                </p:cTn>
+                              </p:par>
+                            </p:childTnLst>
+                          </p:cTn>
+                        </p:par>
+                        <p:par>
+                          <p:cTn id="32" fill="hold">
+                            <p:stCondLst>
+                              <p:cond delay="2100"/>
+                            </p:stCondLst>
+                            <p:childTnLst>
+                              <p:par>
+                                <p:cTn id="33" presetID="47" presetClass="entr" presetSubtype="0" fill="hold" grpId="0" nodeType="afterEffect">
+                                  <p:stCondLst>
+                                    <p:cond delay="0"/>
+                                  </p:stCondLst>
+                                  <p:childTnLst>
+                                    <p:set>
+                                      <p:cBhvr>
+                                        <p:cTn id="34" dur="1" fill="hold">
+                                          <p:stCondLst>
+                                            <p:cond delay="0"/>
+                                          </p:stCondLst>
+                                        </p:cTn>
+                                        <p:tgtEl>
+                                          <p:spTgt spid="3">
+                                            <p:txEl>
+                                              <p:pRg st="4" end="4"/>
+                                            </p:txEl>
+                                          </p:spTgt>
+                                        </p:tgtEl>
+                                        <p:attrNameLst>
+                                          <p:attrName>style.visibility</p:attrName>
+                                        </p:attrNameLst>
+                                      </p:cBhvr>
+                                      <p:to>
+                                        <p:strVal val="visible"/>
+                                      </p:to>
+                                    </p:set>
+                                    <p:animEffect transition="in" filter="fade">
+                                      <p:cBhvr>
+                                        <p:cTn id="35" dur="400"/>
+                                        <p:tgtEl>
+                                          <p:spTgt spid="3">
+                                            <p:txEl>
+                                              <p:pRg st="4" end="4"/>
+                                            </p:txEl>
+                                          </p:spTgt>
+                                        </p:tgtEl>
+                                      </p:cBhvr>
+                                    </p:animEffect>
+                                    <p:anim calcmode="lin" valueType="num">
+                                      <p:cBhvr>
+                                        <p:cTn id="36" dur="400" fill="hold"/>
+                                        <p:tgtEl>
+                                          <p:spTgt spid="3">
+                                            <p:txEl>
+                                              <p:pRg st="4" end="4"/>
+                                            </p:txEl>
+                                          </p:spTgt>
+                                        </p:tgtEl>
+                                        <p:attrNameLst>
+                                          <p:attrName>ppt_x</p:attrName>
+                                        </p:attrNameLst>
+                                      </p:cBhvr>
+                                      <p:tavLst>
+                                        <p:tav tm="0">
+                                          <p:val>
+                                            <p:strVal val="#ppt_x"/>
+                                          </p:val>
+                                        </p:tav>
+                                        <p:tav tm="100000">
+                                          <p:val>
+                                            <p:strVal val="#ppt_x"/>
+                                          </p:val>
+                                        </p:tav>
+                                      </p:tavLst>
+                                    </p:anim>
+                                    <p:anim calcmode="lin" valueType="num">
+                                      <p:cBhvr>
+                                        <p:cTn id="37" dur="400" fill="hold"/>
+                                        <p:tgtEl>
+                                          <p:spTgt spid="3">
+                                            <p:txEl>
+                                              <p:pRg st="4" end="4"/>
+                                            </p:txEl>
+                                          </p:spTgt>
+                                        </p:tgtEl>
+                                        <p:attrNameLst>
+                                          <p:attrName>ppt_y</p:attrName>
+                                        </p:attrNameLst>
+                                      </p:cBhvr>
+                                      <p:tavLst>
+                                        <p:tav tm="0">
+                                          <p:val>
+                                            <p:strVal val="#ppt_y-.1"/>
+                                          </p:val>
+                                        </p:tav>
+                                        <p:tav tm="100000">
+                                          <p:val>
+                                            <p:strVal val="#ppt_y"/>
+                                          </p:val>
+                                        </p:tav>
+                                      </p:tavLst>
+                                    </p:anim>
+                                  </p:childTnLst>
+                                </p:cTn>
+                              </p:par>
+                            </p:childTnLst>
+                          </p:cTn>
+                        </p:par>
+                        <p:par>
+                          <p:cTn id="38" fill="hold">
+                            <p:stCondLst>
+                              <p:cond delay="2500"/>
+                            </p:stCondLst>
+                            <p:childTnLst>
+                              <p:par>
+                                <p:cTn id="39" presetID="47" presetClass="entr" presetSubtype="0" fill="hold" grpId="0" nodeType="afterEffect">
+                                  <p:stCondLst>
+                                    <p:cond delay="0"/>
+                                  </p:stCondLst>
+                                  <p:childTnLst>
+                                    <p:set>
+                                      <p:cBhvr>
+                                        <p:cTn id="40" dur="1" fill="hold">
+                                          <p:stCondLst>
+                                            <p:cond delay="0"/>
+                                          </p:stCondLst>
+                                        </p:cTn>
+                                        <p:tgtEl>
+                                          <p:spTgt spid="3">
+                                            <p:txEl>
+                                              <p:pRg st="5" end="5"/>
+                                            </p:txEl>
+                                          </p:spTgt>
+                                        </p:tgtEl>
+                                        <p:attrNameLst>
+                                          <p:attrName>style.visibility</p:attrName>
+                                        </p:attrNameLst>
+                                      </p:cBhvr>
+                                      <p:to>
+                                        <p:strVal val="visible"/>
+                                      </p:to>
+                                    </p:set>
+                                    <p:animEffect transition="in" filter="fade">
+                                      <p:cBhvr>
+                                        <p:cTn id="41" dur="400"/>
+                                        <p:tgtEl>
+                                          <p:spTgt spid="3">
+                                            <p:txEl>
+                                              <p:pRg st="5" end="5"/>
+                                            </p:txEl>
+                                          </p:spTgt>
+                                        </p:tgtEl>
+                                      </p:cBhvr>
+                                    </p:animEffect>
+                                    <p:anim calcmode="lin" valueType="num">
+                                      <p:cBhvr>
+                                        <p:cTn id="42" dur="400" fill="hold"/>
+                                        <p:tgtEl>
+                                          <p:spTgt spid="3">
+                                            <p:txEl>
+                                              <p:pRg st="5" end="5"/>
+                                            </p:txEl>
+                                          </p:spTgt>
+                                        </p:tgtEl>
+                                        <p:attrNameLst>
+                                          <p:attrName>ppt_x</p:attrName>
+                                        </p:attrNameLst>
+                                      </p:cBhvr>
+                                      <p:tavLst>
+                                        <p:tav tm="0">
+                                          <p:val>
+                                            <p:strVal val="#ppt_x"/>
+                                          </p:val>
+                                        </p:tav>
+                                        <p:tav tm="100000">
+                                          <p:val>
+                                            <p:strVal val="#ppt_x"/>
+                                          </p:val>
+                                        </p:tav>
+                                      </p:tavLst>
+                                    </p:anim>
+                                    <p:anim calcmode="lin" valueType="num">
+                                      <p:cBhvr>
+                                        <p:cTn id="43" dur="400" fill="hold"/>
+                                        <p:tgtEl>
+                                          <p:spTgt spid="3">
+                                            <p:txEl>
+                                              <p:pRg st="5" end="5"/>
+                                            </p:txEl>
+                                          </p:spTgt>
+                                        </p:tgtEl>
+                                        <p:attrNameLst>
+                                          <p:attrName>ppt_y</p:attrName>
+                                        </p:attrNameLst>
+                                      </p:cBhvr>
+                                      <p:tavLst>
+                                        <p:tav tm="0">
+                                          <p:val>
+                                            <p:strVal val="#ppt_y-.1"/>
+                                          </p:val>
+                                        </p:tav>
+                                        <p:tav tm="100000">
+                                          <p:val>
+                                            <p:strVal val="#ppt_y"/>
+                                          </p:val>
+                                        </p:tav>
+                                      </p:tavLst>
+                                    </p:anim>
+                                  </p:childTnLst>
+                                </p:cTn>
+                              </p:par>
+                            </p:childTnLst>
+                          </p:cTn>
+                        </p:par>
+                        <p:par>
+                          <p:cTn id="44" fill="hold">
+                            <p:stCondLst>
+                              <p:cond delay="2900"/>
+                            </p:stCondLst>
+                            <p:childTnLst>
+                              <p:par>
+                                <p:cTn id="45" presetID="47" presetClass="entr" presetSubtype="0" fill="hold" grpId="0" nodeType="afterEffect">
+                                  <p:stCondLst>
+                                    <p:cond delay="0"/>
+                                  </p:stCondLst>
+                                  <p:childTnLst>
+                                    <p:set>
+                                      <p:cBhvr>
+                                        <p:cTn id="46" dur="1" fill="hold">
+                                          <p:stCondLst>
+                                            <p:cond delay="0"/>
+                                          </p:stCondLst>
+                                        </p:cTn>
+                                        <p:tgtEl>
+                                          <p:spTgt spid="3">
+                                            <p:txEl>
+                                              <p:pRg st="6" end="6"/>
+                                            </p:txEl>
+                                          </p:spTgt>
+                                        </p:tgtEl>
+                                        <p:attrNameLst>
+                                          <p:attrName>style.visibility</p:attrName>
+                                        </p:attrNameLst>
+                                      </p:cBhvr>
+                                      <p:to>
+                                        <p:strVal val="visible"/>
+                                      </p:to>
+                                    </p:set>
+                                    <p:animEffect transition="in" filter="fade">
+                                      <p:cBhvr>
+                                        <p:cTn id="47" dur="400"/>
+                                        <p:tgtEl>
+                                          <p:spTgt spid="3">
+                                            <p:txEl>
+                                              <p:pRg st="6" end="6"/>
+                                            </p:txEl>
+                                          </p:spTgt>
+                                        </p:tgtEl>
+                                      </p:cBhvr>
+                                    </p:animEffect>
+                                    <p:anim calcmode="lin" valueType="num">
+                                      <p:cBhvr>
+                                        <p:cTn id="48" dur="400" fill="hold"/>
+                                        <p:tgtEl>
+                                          <p:spTgt spid="3">
+                                            <p:txEl>
+                                              <p:pRg st="6" end="6"/>
+                                            </p:txEl>
+                                          </p:spTgt>
+                                        </p:tgtEl>
+                                        <p:attrNameLst>
+                                          <p:attrName>ppt_x</p:attrName>
+                                        </p:attrNameLst>
+                                      </p:cBhvr>
+                                      <p:tavLst>
+                                        <p:tav tm="0">
+                                          <p:val>
+                                            <p:strVal val="#ppt_x"/>
+                                          </p:val>
+                                        </p:tav>
+                                        <p:tav tm="100000">
+                                          <p:val>
+                                            <p:strVal val="#ppt_x"/>
+                                          </p:val>
+                                        </p:tav>
+                                      </p:tavLst>
+                                    </p:anim>
+                                    <p:anim calcmode="lin" valueType="num">
+                                      <p:cBhvr>
+                                        <p:cTn id="49" dur="400" fill="hold"/>
+                                        <p:tgtEl>
+                                          <p:spTgt spid="3">
+                                            <p:txEl>
+                                              <p:pRg st="6" end="6"/>
+                                            </p:txEl>
+                                          </p:spTgt>
+                                        </p:tgtEl>
+                                        <p:attrNameLst>
+                                          <p:attrName>ppt_y</p:attrName>
+                                        </p:attrNameLst>
+                                      </p:cBhvr>
+                                      <p:tavLst>
+                                        <p:tav tm="0">
+                                          <p:val>
+                                            <p:strVal val="#ppt_y-.1"/>
+                                          </p:val>
+                                        </p:tav>
+                                        <p:tav tm="100000">
+                                          <p:val>
+                                            <p:strVal val="#ppt_y"/>
+                                          </p:val>
+                                        </p:tav>
+                                      </p:tavLst>
+                                    </p:anim>
+                                  </p:childTnLst>
+                                </p:cTn>
+                              </p:par>
+                            </p:childTnLst>
+                          </p:cTn>
+                        </p:par>
+                        <p:par>
+                          <p:cTn id="50" fill="hold">
+                            <p:stCondLst>
+                              <p:cond delay="3300"/>
+                            </p:stCondLst>
+                            <p:childTnLst>
+                              <p:par>
+                                <p:cTn id="51" presetID="47" presetClass="entr" presetSubtype="0" fill="hold" grpId="0" nodeType="afterEffect">
+                                  <p:stCondLst>
+                                    <p:cond delay="0"/>
+                                  </p:stCondLst>
+                                  <p:childTnLst>
+                                    <p:set>
+                                      <p:cBhvr>
+                                        <p:cTn id="52" dur="1" fill="hold">
+                                          <p:stCondLst>
+                                            <p:cond delay="0"/>
+                                          </p:stCondLst>
+                                        </p:cTn>
+                                        <p:tgtEl>
+                                          <p:spTgt spid="3">
+                                            <p:txEl>
+                                              <p:pRg st="7" end="7"/>
+                                            </p:txEl>
+                                          </p:spTgt>
+                                        </p:tgtEl>
+                                        <p:attrNameLst>
+                                          <p:attrName>style.visibility</p:attrName>
+                                        </p:attrNameLst>
+                                      </p:cBhvr>
+                                      <p:to>
+                                        <p:strVal val="visible"/>
+                                      </p:to>
+                                    </p:set>
+                                    <p:animEffect transition="in" filter="fade">
+                                      <p:cBhvr>
+                                        <p:cTn id="53" dur="400"/>
+                                        <p:tgtEl>
+                                          <p:spTgt spid="3">
+                                            <p:txEl>
+                                              <p:pRg st="7" end="7"/>
+                                            </p:txEl>
+                                          </p:spTgt>
+                                        </p:tgtEl>
+                                      </p:cBhvr>
+                                    </p:animEffect>
+                                    <p:anim calcmode="lin" valueType="num">
+                                      <p:cBhvr>
+                                        <p:cTn id="54" dur="400" fill="hold"/>
+                                        <p:tgtEl>
+                                          <p:spTgt spid="3">
+                                            <p:txEl>
+                                              <p:pRg st="7" end="7"/>
+                                            </p:txEl>
+                                          </p:spTgt>
+                                        </p:tgtEl>
+                                        <p:attrNameLst>
+                                          <p:attrName>ppt_x</p:attrName>
+                                        </p:attrNameLst>
+                                      </p:cBhvr>
+                                      <p:tavLst>
+                                        <p:tav tm="0">
+                                          <p:val>
+                                            <p:strVal val="#ppt_x"/>
+                                          </p:val>
+                                        </p:tav>
+                                        <p:tav tm="100000">
+                                          <p:val>
+                                            <p:strVal val="#ppt_x"/>
+                                          </p:val>
+                                        </p:tav>
+                                      </p:tavLst>
+                                    </p:anim>
+                                    <p:anim calcmode="lin" valueType="num">
+                                      <p:cBhvr>
+                                        <p:cTn id="55" dur="400" fill="hold"/>
+                                        <p:tgtEl>
+                                          <p:spTgt spid="3">
+                                            <p:txEl>
+                                              <p:pRg st="7" end="7"/>
+                                            </p:txEl>
+                                          </p:spTgt>
+                                        </p:tgtEl>
+                                        <p:attrNameLst>
+                                          <p:attrName>ppt_y</p:attrName>
+                                        </p:attrNameLst>
+                                      </p:cBhvr>
+                                      <p:tavLst>
+                                        <p:tav tm="0">
+                                          <p:val>
+                                            <p:strVal val="#ppt_y-.1"/>
+                                          </p:val>
+                                        </p:tav>
+                                        <p:tav tm="100000">
+                                          <p:val>
+                                            <p:strVal val="#ppt_y"/>
+                                          </p:val>
+                                        </p:tav>
+                                      </p:tavLst>
+                                    </p:anim>
+                                  </p:childTnLst>
+                                </p:cTn>
+                              </p:par>
+                            </p:childTnLst>
+                          </p:cTn>
+                        </p:par>
+                        <p:par>
+                          <p:cTn id="56" fill="hold">
+                            <p:stCondLst>
+                              <p:cond delay="3700"/>
+                            </p:stCondLst>
+                            <p:childTnLst>
+                              <p:par>
+                                <p:cTn id="57" presetID="47" presetClass="entr" presetSubtype="0" fill="hold" grpId="0" nodeType="afterEffect">
+                                  <p:stCondLst>
+                                    <p:cond delay="0"/>
+                                  </p:stCondLst>
+                                  <p:childTnLst>
+                                    <p:set>
+                                      <p:cBhvr>
+                                        <p:cTn id="58" dur="1" fill="hold">
+                                          <p:stCondLst>
+                                            <p:cond delay="0"/>
+                                          </p:stCondLst>
+                                        </p:cTn>
+                                        <p:tgtEl>
+                                          <p:spTgt spid="3">
+                                            <p:txEl>
+                                              <p:pRg st="8" end="8"/>
+                                            </p:txEl>
+                                          </p:spTgt>
+                                        </p:tgtEl>
+                                        <p:attrNameLst>
+                                          <p:attrName>style.visibility</p:attrName>
+                                        </p:attrNameLst>
+                                      </p:cBhvr>
+                                      <p:to>
+                                        <p:strVal val="visible"/>
+                                      </p:to>
+                                    </p:set>
+                                    <p:animEffect transition="in" filter="fade">
+                                      <p:cBhvr>
+                                        <p:cTn id="59" dur="400"/>
+                                        <p:tgtEl>
+                                          <p:spTgt spid="3">
+                                            <p:txEl>
+                                              <p:pRg st="8" end="8"/>
+                                            </p:txEl>
+                                          </p:spTgt>
+                                        </p:tgtEl>
+                                      </p:cBhvr>
+                                    </p:animEffect>
+                                    <p:anim calcmode="lin" valueType="num">
+                                      <p:cBhvr>
+                                        <p:cTn id="60" dur="400" fill="hold"/>
+                                        <p:tgtEl>
+                                          <p:spTgt spid="3">
+                                            <p:txEl>
+                                              <p:pRg st="8" end="8"/>
+                                            </p:txEl>
+                                          </p:spTgt>
+                                        </p:tgtEl>
+                                        <p:attrNameLst>
+                                          <p:attrName>ppt_x</p:attrName>
+                                        </p:attrNameLst>
+                                      </p:cBhvr>
+                                      <p:tavLst>
+                                        <p:tav tm="0">
+                                          <p:val>
+                                            <p:strVal val="#ppt_x"/>
+                                          </p:val>
+                                        </p:tav>
+                                        <p:tav tm="100000">
+                                          <p:val>
+                                            <p:strVal val="#ppt_x"/>
+                                          </p:val>
+                                        </p:tav>
+                                      </p:tavLst>
+                                    </p:anim>
+                                    <p:anim calcmode="lin" valueType="num">
+                                      <p:cBhvr>
+                                        <p:cTn id="61" dur="400" fill="hold"/>
+                                        <p:tgtEl>
+                                          <p:spTgt spid="3">
+                                            <p:txEl>
+                                              <p:pRg st="8" end="8"/>
+                                            </p:txEl>
+                                          </p:spTgt>
+                                        </p:tgtEl>
+                                        <p:attrNameLst>
+                                          <p:attrName>ppt_y</p:attrName>
+                                        </p:attrNameLst>
+                                      </p:cBhvr>
+                                      <p:tavLst>
+                                        <p:tav tm="0">
+                                          <p:val>
+                                            <p:strVal val="#ppt_y-.1"/>
+                                          </p:val>
+                                        </p:tav>
+                                        <p:tav tm="100000">
+                                          <p:val>
+                                            <p:strVal val="#ppt_y"/>
+                                          </p:val>
+                                        </p:tav>
+                                      </p:tavLst>
+                                    </p:anim>
+                                  </p:childTnLst>
+                                </p:cTn>
+                              </p:par>
+                            </p:childTnLst>
+                          </p:cTn>
+                        </p:par>
+                      </p:childTnLst>
+                    </p:cTn>
+                  </p:par>
+                </p:childTnLst>
+              </p:cTn>
+              <p:prevCondLst>
+                <p:cond evt="onPrev" delay="0">
+                  <p:tgtEl>
+                    <p:sldTgt/>
+                  </p:tgtEl>
+                </p:cond>
+              </p:prevCondLst>
+              <p:nextCondLst>
+                <p:cond evt="onNext" delay="0">
+                  <p:tgtEl>
+                    <p:sldTgt/>
+                  </p:tgtEl>
+                </p:cond>
+              </p:nextCondLst>
+            </p:seq>
+          </p:childTnLst>
+        </p:cTn>
+      </p:par>
+    </p:tnLst>
+    <p:bldLst>
+      <p:bldP spid="2" grpId="0"/>
+      <p:bldP spid="3" grpId="0" build="p"/>
+    </p:bldLst>
+  </p:timing>
+</p:sld>
+</file>
+
+<file path=ppt/slides/slide3.xml><?xml version="1.0" encoding="utf-8"?>
+<p:sld xmlns:a="http://schemas.openxmlformats.org/drawingml/2006/main" xmlns:r="http://schemas.openxmlformats.org/officeDocument/2006/relationships" xmlns:p="http://schemas.openxmlformats.org/presentationml/2006/main">
+  <p:cSld>
+    <p:spTree>
+      <p:nvGrpSpPr>
+        <p:cNvPr id="1" name=""/>
+        <p:cNvGrpSpPr/>
+        <p:nvPr/>
+      </p:nvGrpSpPr>
+      <p:grpSpPr>
+        <a:xfrm>
+          <a:off x="0" y="0"/>
+          <a:ext cx="0" cy="0"/>
+          <a:chOff x="0" y="0"/>
+          <a:chExt cx="0" cy="0"/>
+        </a:xfrm>
+      </p:grpSpPr>
+      <p:sp>
+        <p:nvSpPr>
+          <p:cNvPr id="3" name="Content Placeholder 2"/>
+          <p:cNvSpPr>
+            <a:spLocks noGrp="1"/>
+          </p:cNvSpPr>
+          <p:nvPr>
+            <p:ph idx="1"/>
+          </p:nvPr>
+        </p:nvSpPr>
+        <p:spPr>
+          <a:xfrm>
+            <a:off x="1028700" y="510604"/>
+            <a:ext cx="8947150" cy="5552059"/>
+          </a:xfrm>
+        </p:spPr>
+        <p:txBody>
+          <a:bodyPr vert="horz" lIns="91440" tIns="45720" rIns="91440" bIns="45720" rtlCol="0" anchor="t">
+            <a:normAutofit lnSpcReduction="10000"/>
+          </a:bodyPr>
+          <a:lstStyle/>
+          <a:p>
+            <a:endParaRPr lang="it-IT" dirty="0">
+              <a:latin typeface="Arial"/>
+            </a:endParaRPr>
+          </a:p>
+          <a:p>
+            <a:r>
+              <a:rPr lang="EN-US" dirty="0">
+                <a:latin typeface="Century Gothic"/>
+              </a:rPr>
+              <a:t>[G10]  Bill the </a:t>
+            </a:r>
+            <a:r>
+              <a:rPr lang="EN-US" dirty="0" err="1">
+                <a:latin typeface="Century Gothic"/>
+              </a:rPr>
+              <a:t>PowerUser</a:t>
+            </a:r>
+            <a:r>
+              <a:rPr lang="EN-US" dirty="0">
+                <a:latin typeface="Century Gothic"/>
+              </a:rPr>
+              <a:t> for the amount of time spent riding a Car. </a:t>
+            </a:r>
+          </a:p>
+          <a:p>
+            <a:r>
+              <a:rPr lang="EN-US" dirty="0">
+                <a:latin typeface="Century Gothic"/>
+              </a:rPr>
+              <a:t>[G11]  Allow </a:t>
+            </a:r>
+            <a:r>
+              <a:rPr lang="EN-US" dirty="0" err="1">
+                <a:latin typeface="Century Gothic"/>
+              </a:rPr>
+              <a:t>PowerUser</a:t>
+            </a:r>
+            <a:r>
+              <a:rPr lang="EN-US" dirty="0">
+                <a:latin typeface="Century Gothic"/>
+              </a:rPr>
+              <a:t> to see a list of the closest Special Parking Areas to his destination. </a:t>
+            </a:r>
+            <a:endParaRPr lang="en-US" dirty="0">
+              <a:latin typeface="Century Gothic"/>
+            </a:endParaRPr>
+          </a:p>
+          <a:p>
+            <a:r>
+              <a:rPr lang="EN-US" dirty="0">
+                <a:latin typeface="Century Gothic"/>
+              </a:rPr>
+              <a:t>[G12]  Allow </a:t>
+            </a:r>
+            <a:r>
+              <a:rPr lang="EN-US" dirty="0" err="1">
+                <a:latin typeface="Century Gothic"/>
+              </a:rPr>
+              <a:t>PowerUser</a:t>
+            </a:r>
+            <a:r>
+              <a:rPr lang="EN-US" dirty="0">
+                <a:latin typeface="Century Gothic"/>
+              </a:rPr>
+              <a:t> to keep track of the current charged fare. </a:t>
+            </a:r>
+            <a:endParaRPr lang="en-US" dirty="0">
+              <a:latin typeface="Century Gothic"/>
+            </a:endParaRPr>
+          </a:p>
+          <a:p>
+            <a:r>
+              <a:rPr lang="EN-US" dirty="0">
+                <a:latin typeface="Century Gothic"/>
+              </a:rPr>
+              <a:t>[G13]  Allow </a:t>
+            </a:r>
+            <a:r>
+              <a:rPr lang="EN-US" dirty="0" err="1">
+                <a:latin typeface="Century Gothic"/>
+              </a:rPr>
+              <a:t>PowerUser</a:t>
+            </a:r>
+            <a:r>
+              <a:rPr lang="EN-US" dirty="0">
+                <a:latin typeface="Century Gothic"/>
+              </a:rPr>
+              <a:t> to check whether he can be eligible for any discount or penalty. </a:t>
+            </a:r>
+            <a:endParaRPr lang="en-US" dirty="0">
+              <a:latin typeface="Century Gothic"/>
+            </a:endParaRPr>
+          </a:p>
+          <a:p>
+            <a:r>
+              <a:rPr lang="EN-US" b="1" dirty="0">
+                <a:latin typeface="Century Gothic"/>
+              </a:rPr>
+              <a:t>[G14]  Allow </a:t>
+            </a:r>
+            <a:r>
+              <a:rPr lang="EN-US" b="1" dirty="0" err="1">
+                <a:latin typeface="Century Gothic"/>
+              </a:rPr>
+              <a:t>PowerUser</a:t>
+            </a:r>
+            <a:r>
+              <a:rPr lang="EN-US" b="1" dirty="0">
+                <a:latin typeface="Century Gothic"/>
+              </a:rPr>
+              <a:t> to get a money saving alternative destination. </a:t>
+            </a:r>
+            <a:endParaRPr lang="en-US" b="1" dirty="0">
+              <a:latin typeface="Century Gothic"/>
+            </a:endParaRPr>
+          </a:p>
+          <a:p>
+            <a:r>
+              <a:rPr lang="EN-US" b="1" dirty="0">
+                <a:latin typeface="Century Gothic"/>
+              </a:rPr>
+              <a:t>[G15]  Allow the system to lock the Car in a Safe Parking Area at the end of the ride. </a:t>
+            </a:r>
+            <a:endParaRPr lang="en-US" b="1" dirty="0">
+              <a:latin typeface="Century Gothic"/>
+            </a:endParaRPr>
+          </a:p>
+          <a:p>
+            <a:r>
+              <a:rPr lang="EN-US" dirty="0">
+                <a:latin typeface="Century Gothic"/>
+              </a:rPr>
+              <a:t>[G16]  Allow the system to apply penalty or discount according to the given criteria. </a:t>
+            </a:r>
+            <a:endParaRPr lang="en-US" dirty="0">
+              <a:latin typeface="Century Gothic"/>
+            </a:endParaRPr>
+          </a:p>
+          <a:p>
+            <a:r>
+              <a:rPr lang="EN-US" dirty="0">
+                <a:latin typeface="Century Gothic"/>
+              </a:rPr>
+              <a:t>[G17]  Let the system bill the </a:t>
+            </a:r>
+            <a:r>
+              <a:rPr lang="EN-US" dirty="0" err="1">
+                <a:latin typeface="Century Gothic"/>
+              </a:rPr>
+              <a:t>PowerUser</a:t>
+            </a:r>
+            <a:r>
+              <a:rPr lang="EN-US" dirty="0">
+                <a:latin typeface="Century Gothic"/>
+              </a:rPr>
+              <a:t> for the total ride fare and issue a payment request for that amount at the end of the ride. </a:t>
+            </a:r>
+            <a:endParaRPr lang="en-US" dirty="0">
+              <a:latin typeface="Century Gothic"/>
+            </a:endParaRPr>
+          </a:p>
+          <a:p>
+            <a:endParaRPr lang="EN-US" dirty="0">
+              <a:latin typeface="Arial"/>
+            </a:endParaRPr>
+          </a:p>
+          <a:p>
+            <a:endParaRPr lang="en-US" dirty="0"/>
+          </a:p>
+        </p:txBody>
+      </p:sp>
+    </p:spTree>
+    <p:extLst>
+      <p:ext uri="{BB962C8B-B14F-4D97-AF65-F5344CB8AC3E}">
+        <p14:creationId xmlns:p14="http://schemas.microsoft.com/office/powerpoint/2010/main" val="1290043637"/>
+      </p:ext>
+    </p:extLst>
+  </p:cSld>
+  <p:clrMapOvr>
+    <a:masterClrMapping/>
+  </p:clrMapOvr>
+  <p:timing>
+    <p:tnLst>
+      <p:par>
+        <p:cTn id="1" dur="indefinite" restart="never" nodeType="tmRoot">
+          <p:childTnLst>
+            <p:seq concurrent="1" nextAc="seek">
+              <p:cTn id="2" dur="indefinite" nodeType="mainSeq">
+                <p:childTnLst>
+                  <p:par>
+                    <p:cTn id="3" fill="hold">
+                      <p:stCondLst>
+                        <p:cond delay="indefinite"/>
+                        <p:cond evt="onBegin" delay="0">
+                          <p:tn val="2"/>
+                        </p:cond>
+                      </p:stCondLst>
+                      <p:childTnLst>
+                        <p:par>
+                          <p:cTn id="4" fill="hold">
+                            <p:stCondLst>
+                              <p:cond delay="0"/>
+                            </p:stCondLst>
+                            <p:childTnLst>
+                              <p:par>
+                                <p:cTn id="5" presetID="47" presetClass="entr" presetSubtype="0" fill="hold" grpId="0" nodeType="afterEffect">
+                                  <p:stCondLst>
+                                    <p:cond delay="0"/>
+                                  </p:stCondLst>
+                                  <p:childTnLst>
+                                    <p:set>
+                                      <p:cBhvr>
+                                        <p:cTn id="6" dur="1" fill="hold">
+                                          <p:stCondLst>
+                                            <p:cond delay="0"/>
+                                          </p:stCondLst>
+                                        </p:cTn>
+                                        <p:tgtEl>
+                                          <p:spTgt spid="3">
+                                            <p:txEl>
+                                              <p:pRg st="1" end="1"/>
+                                            </p:txEl>
+                                          </p:spTgt>
+                                        </p:tgtEl>
+                                        <p:attrNameLst>
+                                          <p:attrName>style.visibility</p:attrName>
+                                        </p:attrNameLst>
+                                      </p:cBhvr>
+                                      <p:to>
+                                        <p:strVal val="visible"/>
+                                      </p:to>
+                                    </p:set>
+                                    <p:animEffect transition="in" filter="fade">
+                                      <p:cBhvr>
+                                        <p:cTn id="7" dur="400"/>
+                                        <p:tgtEl>
+                                          <p:spTgt spid="3">
+                                            <p:txEl>
+                                              <p:pRg st="1" end="1"/>
+                                            </p:txEl>
+                                          </p:spTgt>
+                                        </p:tgtEl>
+                                      </p:cBhvr>
+                                    </p:animEffect>
+                                    <p:anim calcmode="lin" valueType="num">
+                                      <p:cBhvr>
+                                        <p:cTn id="8" dur="400" fill="hold"/>
+                                        <p:tgtEl>
+                                          <p:spTgt spid="3">
+                                            <p:txEl>
+                                              <p:pRg st="1" end="1"/>
+                                            </p:txEl>
+                                          </p:spTgt>
+                                        </p:tgtEl>
+                                        <p:attrNameLst>
+                                          <p:attrName>ppt_x</p:attrName>
+                                        </p:attrNameLst>
+                                      </p:cBhvr>
+                                      <p:tavLst>
+                                        <p:tav tm="0">
+                                          <p:val>
+                                            <p:strVal val="#ppt_x"/>
+                                          </p:val>
+                                        </p:tav>
+                                        <p:tav tm="100000">
+                                          <p:val>
+                                            <p:strVal val="#ppt_x"/>
+                                          </p:val>
+                                        </p:tav>
+                                      </p:tavLst>
+                                    </p:anim>
+                                    <p:anim calcmode="lin" valueType="num">
+                                      <p:cBhvr>
+                                        <p:cTn id="9" dur="400" fill="hold"/>
+                                        <p:tgtEl>
+                                          <p:spTgt spid="3">
+                                            <p:txEl>
+                                              <p:pRg st="1" end="1"/>
+                                            </p:txEl>
+                                          </p:spTgt>
+                                        </p:tgtEl>
+                                        <p:attrNameLst>
+                                          <p:attrName>ppt_y</p:attrName>
+                                        </p:attrNameLst>
+                                      </p:cBhvr>
+                                      <p:tavLst>
+                                        <p:tav tm="0">
+                                          <p:val>
+                                            <p:strVal val="#ppt_y-.1"/>
+                                          </p:val>
+                                        </p:tav>
+                                        <p:tav tm="100000">
+                                          <p:val>
+                                            <p:strVal val="#ppt_y"/>
+                                          </p:val>
+                                        </p:tav>
+                                      </p:tavLst>
+                                    </p:anim>
+                                  </p:childTnLst>
+                                </p:cTn>
+                              </p:par>
+                            </p:childTnLst>
+                          </p:cTn>
+                        </p:par>
+                        <p:par>
+                          <p:cTn id="10" fill="hold">
+                            <p:stCondLst>
+                              <p:cond delay="400"/>
+                            </p:stCondLst>
+                            <p:childTnLst>
+                              <p:par>
+                                <p:cTn id="11" presetID="47" presetClass="entr" presetSubtype="0" fill="hold" grpId="0" nodeType="afterEffect">
+                                  <p:stCondLst>
+                                    <p:cond delay="0"/>
+                                  </p:stCondLst>
+                                  <p:childTnLst>
+                                    <p:set>
+                                      <p:cBhvr>
+                                        <p:cTn id="12" dur="1" fill="hold">
+                                          <p:stCondLst>
+                                            <p:cond delay="0"/>
+                                          </p:stCondLst>
+                                        </p:cTn>
+                                        <p:tgtEl>
+                                          <p:spTgt spid="3">
+                                            <p:txEl>
+                                              <p:pRg st="2" end="2"/>
+                                            </p:txEl>
+                                          </p:spTgt>
+                                        </p:tgtEl>
+                                        <p:attrNameLst>
+                                          <p:attrName>style.visibility</p:attrName>
+                                        </p:attrNameLst>
+                                      </p:cBhvr>
+                                      <p:to>
+                                        <p:strVal val="visible"/>
+                                      </p:to>
+                                    </p:set>
+                                    <p:animEffect transition="in" filter="fade">
+                                      <p:cBhvr>
+                                        <p:cTn id="13" dur="400"/>
+                                        <p:tgtEl>
+                                          <p:spTgt spid="3">
+                                            <p:txEl>
+                                              <p:pRg st="2" end="2"/>
+                                            </p:txEl>
+                                          </p:spTgt>
+                                        </p:tgtEl>
+                                      </p:cBhvr>
+                                    </p:animEffect>
+                                    <p:anim calcmode="lin" valueType="num">
+                                      <p:cBhvr>
+                                        <p:cTn id="14" dur="400" fill="hold"/>
+                                        <p:tgtEl>
+                                          <p:spTgt spid="3">
+                                            <p:txEl>
+                                              <p:pRg st="2" end="2"/>
+                                            </p:txEl>
+                                          </p:spTgt>
+                                        </p:tgtEl>
+                                        <p:attrNameLst>
+                                          <p:attrName>ppt_x</p:attrName>
+                                        </p:attrNameLst>
+                                      </p:cBhvr>
+                                      <p:tavLst>
+                                        <p:tav tm="0">
+                                          <p:val>
+                                            <p:strVal val="#ppt_x"/>
+                                          </p:val>
+                                        </p:tav>
+                                        <p:tav tm="100000">
+                                          <p:val>
+                                            <p:strVal val="#ppt_x"/>
+                                          </p:val>
+                                        </p:tav>
+                                      </p:tavLst>
+                                    </p:anim>
+                                    <p:anim calcmode="lin" valueType="num">
+                                      <p:cBhvr>
+                                        <p:cTn id="15" dur="400" fill="hold"/>
+                                        <p:tgtEl>
+                                          <p:spTgt spid="3">
+                                            <p:txEl>
+                                              <p:pRg st="2" end="2"/>
+                                            </p:txEl>
+                                          </p:spTgt>
+                                        </p:tgtEl>
+                                        <p:attrNameLst>
+                                          <p:attrName>ppt_y</p:attrName>
+                                        </p:attrNameLst>
+                                      </p:cBhvr>
+                                      <p:tavLst>
+                                        <p:tav tm="0">
+                                          <p:val>
+                                            <p:strVal val="#ppt_y-.1"/>
+                                          </p:val>
+                                        </p:tav>
+                                        <p:tav tm="100000">
+                                          <p:val>
+                                            <p:strVal val="#ppt_y"/>
+                                          </p:val>
+                                        </p:tav>
+                                      </p:tavLst>
+                                    </p:anim>
+                                  </p:childTnLst>
+                                </p:cTn>
+                              </p:par>
+                            </p:childTnLst>
+                          </p:cTn>
+                        </p:par>
+                        <p:par>
+                          <p:cTn id="16" fill="hold">
+                            <p:stCondLst>
+                              <p:cond delay="800"/>
+                            </p:stCondLst>
+                            <p:childTnLst>
+                              <p:par>
+                                <p:cTn id="17" presetID="47" presetClass="entr" presetSubtype="0" fill="hold" grpId="0" nodeType="afterEffect">
+                                  <p:stCondLst>
+                                    <p:cond delay="0"/>
+                                  </p:stCondLst>
+                                  <p:childTnLst>
+                                    <p:set>
+                                      <p:cBhvr>
+                                        <p:cTn id="18" dur="1" fill="hold">
+                                          <p:stCondLst>
+                                            <p:cond delay="0"/>
+                                          </p:stCondLst>
+                                        </p:cTn>
+                                        <p:tgtEl>
+                                          <p:spTgt spid="3">
+                                            <p:txEl>
+                                              <p:pRg st="3" end="3"/>
+                                            </p:txEl>
+                                          </p:spTgt>
+                                        </p:tgtEl>
+                                        <p:attrNameLst>
+                                          <p:attrName>style.visibility</p:attrName>
+                                        </p:attrNameLst>
+                                      </p:cBhvr>
+                                      <p:to>
+                                        <p:strVal val="visible"/>
+                                      </p:to>
+                                    </p:set>
+                                    <p:animEffect transition="in" filter="fade">
+                                      <p:cBhvr>
+                                        <p:cTn id="19" dur="400"/>
+                                        <p:tgtEl>
+                                          <p:spTgt spid="3">
+                                            <p:txEl>
+                                              <p:pRg st="3" end="3"/>
+                                            </p:txEl>
+                                          </p:spTgt>
+                                        </p:tgtEl>
+                                      </p:cBhvr>
+                                    </p:animEffect>
+                                    <p:anim calcmode="lin" valueType="num">
+                                      <p:cBhvr>
+                                        <p:cTn id="20" dur="400" fill="hold"/>
+                                        <p:tgtEl>
+                                          <p:spTgt spid="3">
+                                            <p:txEl>
+                                              <p:pRg st="3" end="3"/>
+                                            </p:txEl>
+                                          </p:spTgt>
+                                        </p:tgtEl>
+                                        <p:attrNameLst>
+                                          <p:attrName>ppt_x</p:attrName>
+                                        </p:attrNameLst>
+                                      </p:cBhvr>
+                                      <p:tavLst>
+                                        <p:tav tm="0">
+                                          <p:val>
+                                            <p:strVal val="#ppt_x"/>
+                                          </p:val>
+                                        </p:tav>
+                                        <p:tav tm="100000">
+                                          <p:val>
+                                            <p:strVal val="#ppt_x"/>
+                                          </p:val>
+                                        </p:tav>
+                                      </p:tavLst>
+                                    </p:anim>
+                                    <p:anim calcmode="lin" valueType="num">
+                                      <p:cBhvr>
+                                        <p:cTn id="21" dur="400" fill="hold"/>
+                                        <p:tgtEl>
+                                          <p:spTgt spid="3">
+                                            <p:txEl>
+                                              <p:pRg st="3" end="3"/>
+                                            </p:txEl>
+                                          </p:spTgt>
+                                        </p:tgtEl>
+                                        <p:attrNameLst>
+                                          <p:attrName>ppt_y</p:attrName>
+                                        </p:attrNameLst>
+                                      </p:cBhvr>
+                                      <p:tavLst>
+                                        <p:tav tm="0">
+                                          <p:val>
+                                            <p:strVal val="#ppt_y-.1"/>
+                                          </p:val>
+                                        </p:tav>
+                                        <p:tav tm="100000">
+                                          <p:val>
+                                            <p:strVal val="#ppt_y"/>
+                                          </p:val>
+                                        </p:tav>
+                                      </p:tavLst>
+                                    </p:anim>
+                                  </p:childTnLst>
+                                </p:cTn>
+                              </p:par>
+                            </p:childTnLst>
+                          </p:cTn>
+                        </p:par>
+                        <p:par>
+                          <p:cTn id="22" fill="hold">
+                            <p:stCondLst>
+                              <p:cond delay="1200"/>
+                            </p:stCondLst>
+                            <p:childTnLst>
+                              <p:par>
+                                <p:cTn id="23" presetID="47" presetClass="entr" presetSubtype="0" fill="hold" grpId="0" nodeType="afterEffect">
+                                  <p:stCondLst>
+                                    <p:cond delay="0"/>
+                                  </p:stCondLst>
+                                  <p:childTnLst>
+                                    <p:set>
+                                      <p:cBhvr>
+                                        <p:cTn id="24" dur="1" fill="hold">
+                                          <p:stCondLst>
+                                            <p:cond delay="0"/>
+                                          </p:stCondLst>
+                                        </p:cTn>
+                                        <p:tgtEl>
+                                          <p:spTgt spid="3">
+                                            <p:txEl>
+                                              <p:pRg st="4" end="4"/>
+                                            </p:txEl>
+                                          </p:spTgt>
+                                        </p:tgtEl>
+                                        <p:attrNameLst>
+                                          <p:attrName>style.visibility</p:attrName>
+                                        </p:attrNameLst>
+                                      </p:cBhvr>
+                                      <p:to>
+                                        <p:strVal val="visible"/>
+                                      </p:to>
+                                    </p:set>
+                                    <p:animEffect transition="in" filter="fade">
+                                      <p:cBhvr>
+                                        <p:cTn id="25" dur="400"/>
+                                        <p:tgtEl>
+                                          <p:spTgt spid="3">
+                                            <p:txEl>
+                                              <p:pRg st="4" end="4"/>
+                                            </p:txEl>
+                                          </p:spTgt>
+                                        </p:tgtEl>
+                                      </p:cBhvr>
+                                    </p:animEffect>
+                                    <p:anim calcmode="lin" valueType="num">
+                                      <p:cBhvr>
+                                        <p:cTn id="26" dur="400" fill="hold"/>
+                                        <p:tgtEl>
+                                          <p:spTgt spid="3">
+                                            <p:txEl>
+                                              <p:pRg st="4" end="4"/>
+                                            </p:txEl>
+                                          </p:spTgt>
+                                        </p:tgtEl>
+                                        <p:attrNameLst>
+                                          <p:attrName>ppt_x</p:attrName>
+                                        </p:attrNameLst>
+                                      </p:cBhvr>
+                                      <p:tavLst>
+                                        <p:tav tm="0">
+                                          <p:val>
+                                            <p:strVal val="#ppt_x"/>
+                                          </p:val>
+                                        </p:tav>
+                                        <p:tav tm="100000">
+                                          <p:val>
+                                            <p:strVal val="#ppt_x"/>
+                                          </p:val>
+                                        </p:tav>
+                                      </p:tavLst>
+                                    </p:anim>
+                                    <p:anim calcmode="lin" valueType="num">
+                                      <p:cBhvr>
+                                        <p:cTn id="27" dur="400" fill="hold"/>
+                                        <p:tgtEl>
+                                          <p:spTgt spid="3">
+                                            <p:txEl>
+                                              <p:pRg st="4" end="4"/>
+                                            </p:txEl>
+                                          </p:spTgt>
+                                        </p:tgtEl>
+                                        <p:attrNameLst>
+                                          <p:attrName>ppt_y</p:attrName>
+                                        </p:attrNameLst>
+                                      </p:cBhvr>
+                                      <p:tavLst>
+                                        <p:tav tm="0">
+                                          <p:val>
+                                            <p:strVal val="#ppt_y-.1"/>
+                                          </p:val>
+                                        </p:tav>
+                                        <p:tav tm="100000">
+                                          <p:val>
+                                            <p:strVal val="#ppt_y"/>
+                                          </p:val>
+                                        </p:tav>
+                                      </p:tavLst>
+                                    </p:anim>
+                                  </p:childTnLst>
+                                </p:cTn>
+                              </p:par>
+                            </p:childTnLst>
+                          </p:cTn>
+                        </p:par>
+                        <p:par>
+                          <p:cTn id="28" fill="hold">
+                            <p:stCondLst>
+                              <p:cond delay="1600"/>
+                            </p:stCondLst>
+                            <p:childTnLst>
+                              <p:par>
+                                <p:cTn id="29" presetID="47" presetClass="entr" presetSubtype="0" fill="hold" grpId="0" nodeType="afterEffect">
+                                  <p:stCondLst>
+                                    <p:cond delay="0"/>
+                                  </p:stCondLst>
+                                  <p:childTnLst>
+                                    <p:set>
+                                      <p:cBhvr>
+                                        <p:cTn id="30" dur="1" fill="hold">
+                                          <p:stCondLst>
+                                            <p:cond delay="0"/>
+                                          </p:stCondLst>
+                                        </p:cTn>
+                                        <p:tgtEl>
+                                          <p:spTgt spid="3">
+                                            <p:txEl>
+                                              <p:pRg st="5" end="5"/>
+                                            </p:txEl>
+                                          </p:spTgt>
+                                        </p:tgtEl>
+                                        <p:attrNameLst>
+                                          <p:attrName>style.visibility</p:attrName>
+                                        </p:attrNameLst>
+                                      </p:cBhvr>
+                                      <p:to>
+                                        <p:strVal val="visible"/>
+                                      </p:to>
+                                    </p:set>
+                                    <p:animEffect transition="in" filter="fade">
+                                      <p:cBhvr>
+                                        <p:cTn id="31" dur="400"/>
+                                        <p:tgtEl>
+                                          <p:spTgt spid="3">
+                                            <p:txEl>
+                                              <p:pRg st="5" end="5"/>
+                                            </p:txEl>
+                                          </p:spTgt>
+                                        </p:tgtEl>
+                                      </p:cBhvr>
+                                    </p:animEffect>
+                                    <p:anim calcmode="lin" valueType="num">
+                                      <p:cBhvr>
+                                        <p:cTn id="32" dur="400" fill="hold"/>
+                                        <p:tgtEl>
+                                          <p:spTgt spid="3">
+                                            <p:txEl>
+                                              <p:pRg st="5" end="5"/>
+                                            </p:txEl>
+                                          </p:spTgt>
+                                        </p:tgtEl>
+                                        <p:attrNameLst>
+                                          <p:attrName>ppt_x</p:attrName>
+                                        </p:attrNameLst>
+                                      </p:cBhvr>
+                                      <p:tavLst>
+                                        <p:tav tm="0">
+                                          <p:val>
+                                            <p:strVal val="#ppt_x"/>
+                                          </p:val>
+                                        </p:tav>
+                                        <p:tav tm="100000">
+                                          <p:val>
+                                            <p:strVal val="#ppt_x"/>
+                                          </p:val>
+                                        </p:tav>
+                                      </p:tavLst>
+                                    </p:anim>
+                                    <p:anim calcmode="lin" valueType="num">
+                                      <p:cBhvr>
+                                        <p:cTn id="33" dur="400" fill="hold"/>
+                                        <p:tgtEl>
+                                          <p:spTgt spid="3">
+                                            <p:txEl>
+                                              <p:pRg st="5" end="5"/>
+                                            </p:txEl>
+                                          </p:spTgt>
+                                        </p:tgtEl>
+                                        <p:attrNameLst>
+                                          <p:attrName>ppt_y</p:attrName>
+                                        </p:attrNameLst>
+                                      </p:cBhvr>
+                                      <p:tavLst>
+                                        <p:tav tm="0">
+                                          <p:val>
+                                            <p:strVal val="#ppt_y-.1"/>
+                                          </p:val>
+                                        </p:tav>
+                                        <p:tav tm="100000">
+                                          <p:val>
+                                            <p:strVal val="#ppt_y"/>
+                                          </p:val>
+                                        </p:tav>
+                                      </p:tavLst>
+                                    </p:anim>
+                                  </p:childTnLst>
+                                </p:cTn>
+                              </p:par>
+                            </p:childTnLst>
+                          </p:cTn>
+                        </p:par>
+                        <p:par>
+                          <p:cTn id="34" fill="hold">
+                            <p:stCondLst>
+                              <p:cond delay="2000"/>
+                            </p:stCondLst>
+                            <p:childTnLst>
+                              <p:par>
+                                <p:cTn id="35" presetID="47" presetClass="entr" presetSubtype="0" fill="hold" grpId="0" nodeType="afterEffect">
+                                  <p:stCondLst>
+                                    <p:cond delay="0"/>
+                                  </p:stCondLst>
+                                  <p:childTnLst>
+                                    <p:set>
+                                      <p:cBhvr>
+                                        <p:cTn id="36" dur="1" fill="hold">
+                                          <p:stCondLst>
+                                            <p:cond delay="0"/>
+                                          </p:stCondLst>
+                                        </p:cTn>
+                                        <p:tgtEl>
+                                          <p:spTgt spid="3">
+                                            <p:txEl>
+                                              <p:pRg st="6" end="6"/>
+                                            </p:txEl>
+                                          </p:spTgt>
+                                        </p:tgtEl>
+                                        <p:attrNameLst>
+                                          <p:attrName>style.visibility</p:attrName>
+                                        </p:attrNameLst>
+                                      </p:cBhvr>
+                                      <p:to>
+                                        <p:strVal val="visible"/>
+                                      </p:to>
+                                    </p:set>
+                                    <p:animEffect transition="in" filter="fade">
+                                      <p:cBhvr>
+                                        <p:cTn id="37" dur="400"/>
+                                        <p:tgtEl>
+                                          <p:spTgt spid="3">
+                                            <p:txEl>
+                                              <p:pRg st="6" end="6"/>
+                                            </p:txEl>
+                                          </p:spTgt>
+                                        </p:tgtEl>
+                                      </p:cBhvr>
+                                    </p:animEffect>
+                                    <p:anim calcmode="lin" valueType="num">
+                                      <p:cBhvr>
+                                        <p:cTn id="38" dur="400" fill="hold"/>
+                                        <p:tgtEl>
+                                          <p:spTgt spid="3">
+                                            <p:txEl>
+                                              <p:pRg st="6" end="6"/>
+                                            </p:txEl>
+                                          </p:spTgt>
+                                        </p:tgtEl>
+                                        <p:attrNameLst>
+                                          <p:attrName>ppt_x</p:attrName>
+                                        </p:attrNameLst>
+                                      </p:cBhvr>
+                                      <p:tavLst>
+                                        <p:tav tm="0">
+                                          <p:val>
+                                            <p:strVal val="#ppt_x"/>
+                                          </p:val>
+                                        </p:tav>
+                                        <p:tav tm="100000">
+                                          <p:val>
+                                            <p:strVal val="#ppt_x"/>
+                                          </p:val>
+                                        </p:tav>
+                                      </p:tavLst>
+                                    </p:anim>
+                                    <p:anim calcmode="lin" valueType="num">
+                                      <p:cBhvr>
+                                        <p:cTn id="39" dur="400" fill="hold"/>
+                                        <p:tgtEl>
+                                          <p:spTgt spid="3">
+                                            <p:txEl>
+                                              <p:pRg st="6" end="6"/>
+                                            </p:txEl>
+                                          </p:spTgt>
+                                        </p:tgtEl>
+                                        <p:attrNameLst>
+                                          <p:attrName>ppt_y</p:attrName>
+                                        </p:attrNameLst>
+                                      </p:cBhvr>
+                                      <p:tavLst>
+                                        <p:tav tm="0">
+                                          <p:val>
+                                            <p:strVal val="#ppt_y-.1"/>
+                                          </p:val>
+                                        </p:tav>
+                                        <p:tav tm="100000">
+                                          <p:val>
+                                            <p:strVal val="#ppt_y"/>
+                                          </p:val>
+                                        </p:tav>
+                                      </p:tavLst>
+                                    </p:anim>
+                                  </p:childTnLst>
+                                </p:cTn>
+                              </p:par>
+                            </p:childTnLst>
+                          </p:cTn>
+                        </p:par>
+                        <p:par>
+                          <p:cTn id="40" fill="hold">
+                            <p:stCondLst>
+                              <p:cond delay="2400"/>
+                            </p:stCondLst>
+                            <p:childTnLst>
+                              <p:par>
+                                <p:cTn id="41" presetID="47" presetClass="entr" presetSubtype="0" fill="hold" grpId="0" nodeType="afterEffect">
+                                  <p:stCondLst>
+                                    <p:cond delay="0"/>
+                                  </p:stCondLst>
+                                  <p:childTnLst>
+                                    <p:set>
+                                      <p:cBhvr>
+                                        <p:cTn id="42" dur="1" fill="hold">
+                                          <p:stCondLst>
+                                            <p:cond delay="0"/>
+                                          </p:stCondLst>
+                                        </p:cTn>
+                                        <p:tgtEl>
+                                          <p:spTgt spid="3">
+                                            <p:txEl>
+                                              <p:pRg st="7" end="7"/>
+                                            </p:txEl>
+                                          </p:spTgt>
+                                        </p:tgtEl>
+                                        <p:attrNameLst>
+                                          <p:attrName>style.visibility</p:attrName>
+                                        </p:attrNameLst>
+                                      </p:cBhvr>
+                                      <p:to>
+                                        <p:strVal val="visible"/>
+                                      </p:to>
+                                    </p:set>
+                                    <p:animEffect transition="in" filter="fade">
+                                      <p:cBhvr>
+                                        <p:cTn id="43" dur="400"/>
+                                        <p:tgtEl>
+                                          <p:spTgt spid="3">
+                                            <p:txEl>
+                                              <p:pRg st="7" end="7"/>
+                                            </p:txEl>
+                                          </p:spTgt>
+                                        </p:tgtEl>
+                                      </p:cBhvr>
+                                    </p:animEffect>
+                                    <p:anim calcmode="lin" valueType="num">
+                                      <p:cBhvr>
+                                        <p:cTn id="44" dur="400" fill="hold"/>
+                                        <p:tgtEl>
+                                          <p:spTgt spid="3">
+                                            <p:txEl>
+                                              <p:pRg st="7" end="7"/>
+                                            </p:txEl>
+                                          </p:spTgt>
+                                        </p:tgtEl>
+                                        <p:attrNameLst>
+                                          <p:attrName>ppt_x</p:attrName>
+                                        </p:attrNameLst>
+                                      </p:cBhvr>
+                                      <p:tavLst>
+                                        <p:tav tm="0">
+                                          <p:val>
+                                            <p:strVal val="#ppt_x"/>
+                                          </p:val>
+                                        </p:tav>
+                                        <p:tav tm="100000">
+                                          <p:val>
+                                            <p:strVal val="#ppt_x"/>
+                                          </p:val>
+                                        </p:tav>
+                                      </p:tavLst>
+                                    </p:anim>
+                                    <p:anim calcmode="lin" valueType="num">
+                                      <p:cBhvr>
+                                        <p:cTn id="45" dur="400" fill="hold"/>
+                                        <p:tgtEl>
+                                          <p:spTgt spid="3">
+                                            <p:txEl>
+                                              <p:pRg st="7" end="7"/>
+                                            </p:txEl>
+                                          </p:spTgt>
+                                        </p:tgtEl>
+                                        <p:attrNameLst>
+                                          <p:attrName>ppt_y</p:attrName>
+                                        </p:attrNameLst>
+                                      </p:cBhvr>
+                                      <p:tavLst>
+                                        <p:tav tm="0">
+                                          <p:val>
+                                            <p:strVal val="#ppt_y-.1"/>
+                                          </p:val>
+                                        </p:tav>
+                                        <p:tav tm="100000">
+                                          <p:val>
+                                            <p:strVal val="#ppt_y"/>
+                                          </p:val>
+                                        </p:tav>
+                                      </p:tavLst>
+                                    </p:anim>
+                                  </p:childTnLst>
+                                </p:cTn>
+                              </p:par>
+                            </p:childTnLst>
+                          </p:cTn>
+                        </p:par>
+                        <p:par>
+                          <p:cTn id="46" fill="hold">
+                            <p:stCondLst>
+                              <p:cond delay="2800"/>
+                            </p:stCondLst>
+                            <p:childTnLst>
+                              <p:par>
+                                <p:cTn id="47" presetID="47" presetClass="entr" presetSubtype="0" fill="hold" grpId="0" nodeType="afterEffect">
+                                  <p:stCondLst>
+                                    <p:cond delay="0"/>
+                                  </p:stCondLst>
+                                  <p:childTnLst>
+                                    <p:set>
+                                      <p:cBhvr>
+                                        <p:cTn id="48" dur="1" fill="hold">
+                                          <p:stCondLst>
+                                            <p:cond delay="0"/>
+                                          </p:stCondLst>
+                                        </p:cTn>
+                                        <p:tgtEl>
+                                          <p:spTgt spid="3">
+                                            <p:txEl>
+                                              <p:pRg st="8" end="8"/>
+                                            </p:txEl>
+                                          </p:spTgt>
+                                        </p:tgtEl>
+                                        <p:attrNameLst>
+                                          <p:attrName>style.visibility</p:attrName>
+                                        </p:attrNameLst>
+                                      </p:cBhvr>
+                                      <p:to>
+                                        <p:strVal val="visible"/>
+                                      </p:to>
+                                    </p:set>
+                                    <p:animEffect transition="in" filter="fade">
+                                      <p:cBhvr>
+                                        <p:cTn id="49" dur="400"/>
+                                        <p:tgtEl>
+                                          <p:spTgt spid="3">
+                                            <p:txEl>
+                                              <p:pRg st="8" end="8"/>
+                                            </p:txEl>
+                                          </p:spTgt>
+                                        </p:tgtEl>
+                                      </p:cBhvr>
+                                    </p:animEffect>
+                                    <p:anim calcmode="lin" valueType="num">
+                                      <p:cBhvr>
+                                        <p:cTn id="50" dur="400" fill="hold"/>
+                                        <p:tgtEl>
+                                          <p:spTgt spid="3">
+                                            <p:txEl>
+                                              <p:pRg st="8" end="8"/>
+                                            </p:txEl>
+                                          </p:spTgt>
+                                        </p:tgtEl>
+                                        <p:attrNameLst>
+                                          <p:attrName>ppt_x</p:attrName>
+                                        </p:attrNameLst>
+                                      </p:cBhvr>
+                                      <p:tavLst>
+                                        <p:tav tm="0">
+                                          <p:val>
+                                            <p:strVal val="#ppt_x"/>
+                                          </p:val>
+                                        </p:tav>
+                                        <p:tav tm="100000">
+                                          <p:val>
+                                            <p:strVal val="#ppt_x"/>
+                                          </p:val>
+                                        </p:tav>
+                                      </p:tavLst>
+                                    </p:anim>
+                                    <p:anim calcmode="lin" valueType="num">
+                                      <p:cBhvr>
+                                        <p:cTn id="51" dur="400" fill="hold"/>
+                                        <p:tgtEl>
+                                          <p:spTgt spid="3">
+                                            <p:txEl>
+                                              <p:pRg st="8" end="8"/>
+                                            </p:txEl>
+                                          </p:spTgt>
+                                        </p:tgtEl>
+                                        <p:attrNameLst>
+                                          <p:attrName>ppt_y</p:attrName>
+                                        </p:attrNameLst>
+                                      </p:cBhvr>
+                                      <p:tavLst>
+                                        <p:tav tm="0">
+                                          <p:val>
+                                            <p:strVal val="#ppt_y-.1"/>
+                                          </p:val>
+                                        </p:tav>
+                                        <p:tav tm="100000">
+                                          <p:val>
+                                            <p:strVal val="#ppt_y"/>
+                                          </p:val>
+                                        </p:tav>
+                                      </p:tavLst>
+                                    </p:anim>
+                                  </p:childTnLst>
+                                </p:cTn>
+                              </p:par>
+                            </p:childTnLst>
+                          </p:cTn>
+                        </p:par>
+                      </p:childTnLst>
+                    </p:cTn>
+                  </p:par>
+                </p:childTnLst>
+              </p:cTn>
+              <p:prevCondLst>
+                <p:cond evt="onPrev" delay="0">
+                  <p:tgtEl>
+                    <p:sldTgt/>
+                  </p:tgtEl>
+                </p:cond>
+              </p:prevCondLst>
+              <p:nextCondLst>
+                <p:cond evt="onNext" delay="0">
+                  <p:tgtEl>
+                    <p:sldTgt/>
+                  </p:tgtEl>
+                </p:cond>
+              </p:nextCondLst>
+            </p:seq>
+          </p:childTnLst>
+        </p:cTn>
+      </p:par>
+    </p:tnLst>
+    <p:bldLst>
+      <p:bldP spid="3" grpId="0" build="p"/>
+    </p:bldLst>
+  </p:timing>
+</p:sld>
+</file>
+
+<file path=ppt/slides/slide4.xml><?xml version="1.0" encoding="utf-8"?>
+<p:sld xmlns:a="http://schemas.openxmlformats.org/drawingml/2006/main" xmlns:r="http://schemas.openxmlformats.org/officeDocument/2006/relationships" xmlns:p="http://schemas.openxmlformats.org/presentationml/2006/main">
+  <p:cSld>
+    <p:spTree>
+      <p:nvGrpSpPr>
+        <p:cNvPr id="1" name=""/>
+        <p:cNvGrpSpPr/>
+        <p:nvPr/>
+      </p:nvGrpSpPr>
+      <p:grpSpPr>
+        <a:xfrm>
+          <a:off x="0" y="0"/>
+          <a:ext cx="0" cy="0"/>
+          <a:chOff x="0" y="0"/>
+          <a:chExt cx="0" cy="0"/>
+        </a:xfrm>
+      </p:grpSpPr>
+      <p:sp>
+        <p:nvSpPr>
           <p:cNvPr id="3" name="Content Placeholder 2"/>
           <p:cNvSpPr>
             <a:spLocks noGrp="1"/>
@@ -11142,7 +13497,7 @@
         <p:spPr>
           <a:xfrm>
             <a:off x="276399" y="1549400"/>
-            <a:ext cx="11580639" cy="4699000"/>
+            <a:ext cx="9995361" cy="4699000"/>
           </a:xfrm>
         </p:spPr>
         <p:txBody>
@@ -11153,29 +13508,29 @@
           <a:p>
             <a:pPr algn="just"/>
             <a:r>
-              <a:rPr lang="EN-US" dirty="0">
+              <a:rPr lang="EN-US" sz="1700" dirty="0">
                 <a:latin typeface="Arial"/>
               </a:rPr>
               <a:t>Cars belonging to </a:t>
             </a:r>
             <a:r>
-              <a:rPr lang="EN-US" dirty="0" err="1">
+              <a:rPr lang="EN-US" sz="1700" dirty="0" err="1">
                 <a:latin typeface="Arial"/>
               </a:rPr>
               <a:t>PowerEnJoy</a:t>
             </a:r>
             <a:r>
-              <a:rPr lang="EN-US" dirty="0">
+              <a:rPr lang="EN-US" sz="1700" dirty="0">
                 <a:latin typeface="Arial"/>
               </a:rPr>
               <a:t> service have a clearly recognizable logo. </a:t>
             </a:r>
-            <a:endParaRPr lang="EN-US" dirty="0"/>
+            <a:endParaRPr lang="EN-US" sz="1700" dirty="0"/>
           </a:p>
           <a:p>
             <a:pPr algn="just"/>
             <a:r>
-              <a:rPr lang="EN-US" dirty="0">
+              <a:rPr lang="EN-US" sz="1700" dirty="0">
                 <a:latin typeface="Arial"/>
               </a:rPr>
               <a:t>Cars are already equipped with onboard infotainment device which is able to provide basic offline navigation services in case of missing Internet connectivity. </a:t>
@@ -11184,7 +13539,7 @@
           <a:p>
             <a:pPr algn="just"/>
             <a:r>
-              <a:rPr lang="EN-US" dirty="0">
+              <a:rPr lang="EN-US" sz="1700" dirty="0">
                 <a:latin typeface="Arial"/>
               </a:rPr>
               <a:t>All Cars have an interface that is able to provide any kind of data from all sensors available in the car itself. </a:t>
@@ -11193,22 +13548,22 @@
           <a:p>
             <a:pPr algn="just"/>
             <a:r>
-              <a:rPr lang="EN-US" dirty="0">
+              <a:rPr lang="EN-US" sz="1700" dirty="0">
                 <a:latin typeface="Arial"/>
               </a:rPr>
               <a:t>Availability of the following sensors (or functional equivalents) is assumed: GPS receiver, battery status, core vehicle diagnostic. </a:t>
             </a:r>
-            <a:endParaRPr lang="EN-US" dirty="0"/>
+            <a:endParaRPr lang="EN-US" sz="1700" dirty="0"/>
           </a:p>
           <a:p>
             <a:pPr algn="just"/>
             <a:r>
-              <a:rPr lang="EN-US" dirty="0">
+              <a:rPr lang="EN-US" sz="1700" dirty="0">
                 <a:latin typeface="Arial"/>
               </a:rPr>
               <a:t>Onboard navigation software will not be developed, an existing solution will be integrated. </a:t>
             </a:r>
-            <a:endParaRPr lang="EN-US" dirty="0"/>
+            <a:endParaRPr lang="EN-US" sz="1700" dirty="0"/>
           </a:p>
           <a:p>
             <a:pPr algn="just"/>
@@ -12226,2361 +14581,6 @@
 </p:sld>
 </file>
 
-<file path=ppt/slides/slide3.xml><?xml version="1.0" encoding="utf-8"?>
-<p:sld xmlns:a="http://schemas.openxmlformats.org/drawingml/2006/main" xmlns:r="http://schemas.openxmlformats.org/officeDocument/2006/relationships" xmlns:p="http://schemas.openxmlformats.org/presentationml/2006/main">
-  <p:cSld>
-    <p:spTree>
-      <p:nvGrpSpPr>
-        <p:cNvPr id="1" name=""/>
-        <p:cNvGrpSpPr/>
-        <p:nvPr/>
-      </p:nvGrpSpPr>
-      <p:grpSpPr>
-        <a:xfrm>
-          <a:off x="0" y="0"/>
-          <a:ext cx="0" cy="0"/>
-          <a:chOff x="0" y="0"/>
-          <a:chExt cx="0" cy="0"/>
-        </a:xfrm>
-      </p:grpSpPr>
-      <p:sp>
-        <p:nvSpPr>
-          <p:cNvPr id="2" name="Title 1"/>
-          <p:cNvSpPr>
-            <a:spLocks noGrp="1"/>
-          </p:cNvSpPr>
-          <p:nvPr>
-            <p:ph type="title"/>
-          </p:nvPr>
-        </p:nvSpPr>
-        <p:spPr/>
-        <p:txBody>
-          <a:bodyPr/>
-          <a:lstStyle/>
-          <a:p>
-            <a:r>
-              <a:rPr lang="EN-US" dirty="0"/>
-              <a:t>GOALS</a:t>
-            </a:r>
-          </a:p>
-        </p:txBody>
-      </p:sp>
-      <p:sp>
-        <p:nvSpPr>
-          <p:cNvPr id="3" name="Content Placeholder 2"/>
-          <p:cNvSpPr>
-            <a:spLocks noGrp="1"/>
-          </p:cNvSpPr>
-          <p:nvPr>
-            <p:ph idx="1"/>
-          </p:nvPr>
-        </p:nvSpPr>
-        <p:spPr>
-          <a:xfrm>
-            <a:off x="1103313" y="1316006"/>
-            <a:ext cx="8947150" cy="4932394"/>
-          </a:xfrm>
-        </p:spPr>
-        <p:txBody>
-          <a:bodyPr vert="horz" lIns="91440" tIns="45720" rIns="91440" bIns="45720" rtlCol="0" anchor="t">
-            <a:normAutofit/>
-          </a:bodyPr>
-          <a:lstStyle/>
-          <a:p>
-            <a:r>
-              <a:rPr lang="EN-US" dirty="0"/>
-              <a:t>[G1]  Allow any kind of user to view the map of the available nearby Cars. </a:t>
-            </a:r>
-          </a:p>
-          <a:p>
-            <a:r>
-              <a:rPr lang="EN-US" dirty="0"/>
-              <a:t>[G2]  Allow Visitor user to register to the service. </a:t>
-            </a:r>
-            <a:endParaRPr lang="en-US" dirty="0"/>
-          </a:p>
-          <a:p>
-            <a:r>
-              <a:rPr lang="EN-US" dirty="0"/>
-              <a:t>[G3]  Allow Visitor user to log-in and out as a </a:t>
-            </a:r>
-            <a:r>
-              <a:rPr lang="EN-US" dirty="0" err="1"/>
-              <a:t>PowerUser</a:t>
-            </a:r>
-            <a:r>
-              <a:rPr lang="EN-US" dirty="0"/>
-              <a:t>. </a:t>
-            </a:r>
-            <a:endParaRPr lang="en-US" dirty="0"/>
-          </a:p>
-          <a:p>
-            <a:r>
-              <a:rPr lang="EN-US" dirty="0"/>
-              <a:t>[G4]  Allow </a:t>
-            </a:r>
-            <a:r>
-              <a:rPr lang="EN-US" dirty="0" err="1"/>
-              <a:t>PowerUser</a:t>
-            </a:r>
-            <a:r>
-              <a:rPr lang="EN-US" dirty="0"/>
-              <a:t> to check the status of the Car. </a:t>
-            </a:r>
-            <a:endParaRPr lang="en-US" dirty="0"/>
-          </a:p>
-          <a:p>
-            <a:r>
-              <a:rPr lang="EN-US" dirty="0"/>
-              <a:t>[G5]  Allow </a:t>
-            </a:r>
-            <a:r>
-              <a:rPr lang="EN-US" dirty="0" err="1"/>
-              <a:t>PowerUser</a:t>
-            </a:r>
-            <a:r>
-              <a:rPr lang="EN-US" dirty="0"/>
-              <a:t> to reserve a Car. </a:t>
-            </a:r>
-            <a:endParaRPr lang="en-US" dirty="0"/>
-          </a:p>
-          <a:p>
-            <a:r>
-              <a:rPr lang="EN-US" dirty="0"/>
-              <a:t>[G6]  Allow </a:t>
-            </a:r>
-            <a:r>
-              <a:rPr lang="EN-US" dirty="0" err="1"/>
-              <a:t>PowerUser</a:t>
-            </a:r>
-            <a:r>
-              <a:rPr lang="EN-US" dirty="0"/>
-              <a:t> to cancel a reservation. </a:t>
-            </a:r>
-            <a:endParaRPr lang="en-US" dirty="0"/>
-          </a:p>
-          <a:p>
-            <a:r>
-              <a:rPr lang="EN-US" dirty="0"/>
-              <a:t>[G7]  Allow </a:t>
-            </a:r>
-            <a:r>
-              <a:rPr lang="EN-US" dirty="0" err="1"/>
-              <a:t>PowerUser</a:t>
-            </a:r>
-            <a:r>
-              <a:rPr lang="EN-US" dirty="0"/>
-              <a:t> to check the position of the reserved car. </a:t>
-            </a:r>
-            <a:endParaRPr lang="en-US" dirty="0"/>
-          </a:p>
-          <a:p>
-            <a:r>
-              <a:rPr lang="EN-US" b="1" dirty="0"/>
-              <a:t>[G8]  Allow </a:t>
-            </a:r>
-            <a:r>
-              <a:rPr lang="EN-US" b="1" dirty="0" err="1"/>
-              <a:t>PowerUser</a:t>
-            </a:r>
-            <a:r>
-              <a:rPr lang="EN-US" b="1" dirty="0"/>
-              <a:t> to unlock and enter the Car when inside the specific range. </a:t>
-            </a:r>
-            <a:endParaRPr lang="en-US" b="1" dirty="0"/>
-          </a:p>
-          <a:p>
-            <a:r>
-              <a:rPr lang="EN-US" dirty="0"/>
-              <a:t>[G9]  Allow </a:t>
-            </a:r>
-            <a:r>
-              <a:rPr lang="EN-US" dirty="0" err="1"/>
-              <a:t>PowerUser</a:t>
-            </a:r>
-            <a:r>
-              <a:rPr lang="EN-US" dirty="0"/>
-              <a:t> to get driving directions to his destination. </a:t>
-            </a:r>
-          </a:p>
-          <a:p>
-            <a:endParaRPr lang="en-US" dirty="0"/>
-          </a:p>
-        </p:txBody>
-      </p:sp>
-    </p:spTree>
-    <p:extLst>
-      <p:ext uri="{BB962C8B-B14F-4D97-AF65-F5344CB8AC3E}">
-        <p14:creationId xmlns:p14="http://schemas.microsoft.com/office/powerpoint/2010/main" val="2376774624"/>
-      </p:ext>
-    </p:extLst>
-  </p:cSld>
-  <p:clrMapOvr>
-    <a:masterClrMapping/>
-  </p:clrMapOvr>
-  <p:timing>
-    <p:tnLst>
-      <p:par>
-        <p:cTn id="1" dur="indefinite" restart="never" nodeType="tmRoot">
-          <p:childTnLst>
-            <p:seq concurrent="1" nextAc="seek">
-              <p:cTn id="2" dur="indefinite" nodeType="mainSeq">
-                <p:childTnLst>
-                  <p:par>
-                    <p:cTn id="3" fill="hold">
-                      <p:stCondLst>
-                        <p:cond delay="indefinite"/>
-                        <p:cond evt="onBegin" delay="0">
-                          <p:tn val="2"/>
-                        </p:cond>
-                      </p:stCondLst>
-                      <p:childTnLst>
-                        <p:par>
-                          <p:cTn id="4" fill="hold">
-                            <p:stCondLst>
-                              <p:cond delay="0"/>
-                            </p:stCondLst>
-                            <p:childTnLst>
-                              <p:par>
-                                <p:cTn id="5" presetID="10" presetClass="entr" presetSubtype="0" fill="hold" grpId="0" nodeType="withEffect">
-                                  <p:stCondLst>
-                                    <p:cond delay="0"/>
-                                  </p:stCondLst>
-                                  <p:childTnLst>
-                                    <p:set>
-                                      <p:cBhvr>
-                                        <p:cTn id="6" dur="1" fill="hold">
-                                          <p:stCondLst>
-                                            <p:cond delay="0"/>
-                                          </p:stCondLst>
-                                        </p:cTn>
-                                        <p:tgtEl>
-                                          <p:spTgt spid="2"/>
-                                        </p:tgtEl>
-                                        <p:attrNameLst>
-                                          <p:attrName>style.visibility</p:attrName>
-                                        </p:attrNameLst>
-                                      </p:cBhvr>
-                                      <p:to>
-                                        <p:strVal val="visible"/>
-                                      </p:to>
-                                    </p:set>
-                                    <p:animEffect transition="in" filter="fade">
-                                      <p:cBhvr>
-                                        <p:cTn id="7" dur="500"/>
-                                        <p:tgtEl>
-                                          <p:spTgt spid="2"/>
-                                        </p:tgtEl>
-                                      </p:cBhvr>
-                                    </p:animEffect>
-                                  </p:childTnLst>
-                                </p:cTn>
-                              </p:par>
-                            </p:childTnLst>
-                          </p:cTn>
-                        </p:par>
-                        <p:par>
-                          <p:cTn id="8" fill="hold">
-                            <p:stCondLst>
-                              <p:cond delay="500"/>
-                            </p:stCondLst>
-                            <p:childTnLst>
-                              <p:par>
-                                <p:cTn id="9" presetID="47" presetClass="entr" presetSubtype="0" fill="hold" grpId="0" nodeType="afterEffect">
-                                  <p:stCondLst>
-                                    <p:cond delay="0"/>
-                                  </p:stCondLst>
-                                  <p:childTnLst>
-                                    <p:set>
-                                      <p:cBhvr>
-                                        <p:cTn id="10" dur="1" fill="hold">
-                                          <p:stCondLst>
-                                            <p:cond delay="0"/>
-                                          </p:stCondLst>
-                                        </p:cTn>
-                                        <p:tgtEl>
-                                          <p:spTgt spid="3">
-                                            <p:txEl>
-                                              <p:pRg st="0" end="0"/>
-                                            </p:txEl>
-                                          </p:spTgt>
-                                        </p:tgtEl>
-                                        <p:attrNameLst>
-                                          <p:attrName>style.visibility</p:attrName>
-                                        </p:attrNameLst>
-                                      </p:cBhvr>
-                                      <p:to>
-                                        <p:strVal val="visible"/>
-                                      </p:to>
-                                    </p:set>
-                                    <p:animEffect transition="in" filter="fade">
-                                      <p:cBhvr>
-                                        <p:cTn id="11" dur="400"/>
-                                        <p:tgtEl>
-                                          <p:spTgt spid="3">
-                                            <p:txEl>
-                                              <p:pRg st="0" end="0"/>
-                                            </p:txEl>
-                                          </p:spTgt>
-                                        </p:tgtEl>
-                                      </p:cBhvr>
-                                    </p:animEffect>
-                                    <p:anim calcmode="lin" valueType="num">
-                                      <p:cBhvr>
-                                        <p:cTn id="12" dur="400" fill="hold"/>
-                                        <p:tgtEl>
-                                          <p:spTgt spid="3">
-                                            <p:txEl>
-                                              <p:pRg st="0" end="0"/>
-                                            </p:txEl>
-                                          </p:spTgt>
-                                        </p:tgtEl>
-                                        <p:attrNameLst>
-                                          <p:attrName>ppt_x</p:attrName>
-                                        </p:attrNameLst>
-                                      </p:cBhvr>
-                                      <p:tavLst>
-                                        <p:tav tm="0">
-                                          <p:val>
-                                            <p:strVal val="#ppt_x"/>
-                                          </p:val>
-                                        </p:tav>
-                                        <p:tav tm="100000">
-                                          <p:val>
-                                            <p:strVal val="#ppt_x"/>
-                                          </p:val>
-                                        </p:tav>
-                                      </p:tavLst>
-                                    </p:anim>
-                                    <p:anim calcmode="lin" valueType="num">
-                                      <p:cBhvr>
-                                        <p:cTn id="13" dur="400" fill="hold"/>
-                                        <p:tgtEl>
-                                          <p:spTgt spid="3">
-                                            <p:txEl>
-                                              <p:pRg st="0" end="0"/>
-                                            </p:txEl>
-                                          </p:spTgt>
-                                        </p:tgtEl>
-                                        <p:attrNameLst>
-                                          <p:attrName>ppt_y</p:attrName>
-                                        </p:attrNameLst>
-                                      </p:cBhvr>
-                                      <p:tavLst>
-                                        <p:tav tm="0">
-                                          <p:val>
-                                            <p:strVal val="#ppt_y-.1"/>
-                                          </p:val>
-                                        </p:tav>
-                                        <p:tav tm="100000">
-                                          <p:val>
-                                            <p:strVal val="#ppt_y"/>
-                                          </p:val>
-                                        </p:tav>
-                                      </p:tavLst>
-                                    </p:anim>
-                                  </p:childTnLst>
-                                </p:cTn>
-                              </p:par>
-                            </p:childTnLst>
-                          </p:cTn>
-                        </p:par>
-                        <p:par>
-                          <p:cTn id="14" fill="hold">
-                            <p:stCondLst>
-                              <p:cond delay="900"/>
-                            </p:stCondLst>
-                            <p:childTnLst>
-                              <p:par>
-                                <p:cTn id="15" presetID="47" presetClass="entr" presetSubtype="0" fill="hold" grpId="0" nodeType="afterEffect">
-                                  <p:stCondLst>
-                                    <p:cond delay="0"/>
-                                  </p:stCondLst>
-                                  <p:childTnLst>
-                                    <p:set>
-                                      <p:cBhvr>
-                                        <p:cTn id="16" dur="1" fill="hold">
-                                          <p:stCondLst>
-                                            <p:cond delay="0"/>
-                                          </p:stCondLst>
-                                        </p:cTn>
-                                        <p:tgtEl>
-                                          <p:spTgt spid="3">
-                                            <p:txEl>
-                                              <p:pRg st="1" end="1"/>
-                                            </p:txEl>
-                                          </p:spTgt>
-                                        </p:tgtEl>
-                                        <p:attrNameLst>
-                                          <p:attrName>style.visibility</p:attrName>
-                                        </p:attrNameLst>
-                                      </p:cBhvr>
-                                      <p:to>
-                                        <p:strVal val="visible"/>
-                                      </p:to>
-                                    </p:set>
-                                    <p:animEffect transition="in" filter="fade">
-                                      <p:cBhvr>
-                                        <p:cTn id="17" dur="400"/>
-                                        <p:tgtEl>
-                                          <p:spTgt spid="3">
-                                            <p:txEl>
-                                              <p:pRg st="1" end="1"/>
-                                            </p:txEl>
-                                          </p:spTgt>
-                                        </p:tgtEl>
-                                      </p:cBhvr>
-                                    </p:animEffect>
-                                    <p:anim calcmode="lin" valueType="num">
-                                      <p:cBhvr>
-                                        <p:cTn id="18" dur="400" fill="hold"/>
-                                        <p:tgtEl>
-                                          <p:spTgt spid="3">
-                                            <p:txEl>
-                                              <p:pRg st="1" end="1"/>
-                                            </p:txEl>
-                                          </p:spTgt>
-                                        </p:tgtEl>
-                                        <p:attrNameLst>
-                                          <p:attrName>ppt_x</p:attrName>
-                                        </p:attrNameLst>
-                                      </p:cBhvr>
-                                      <p:tavLst>
-                                        <p:tav tm="0">
-                                          <p:val>
-                                            <p:strVal val="#ppt_x"/>
-                                          </p:val>
-                                        </p:tav>
-                                        <p:tav tm="100000">
-                                          <p:val>
-                                            <p:strVal val="#ppt_x"/>
-                                          </p:val>
-                                        </p:tav>
-                                      </p:tavLst>
-                                    </p:anim>
-                                    <p:anim calcmode="lin" valueType="num">
-                                      <p:cBhvr>
-                                        <p:cTn id="19" dur="400" fill="hold"/>
-                                        <p:tgtEl>
-                                          <p:spTgt spid="3">
-                                            <p:txEl>
-                                              <p:pRg st="1" end="1"/>
-                                            </p:txEl>
-                                          </p:spTgt>
-                                        </p:tgtEl>
-                                        <p:attrNameLst>
-                                          <p:attrName>ppt_y</p:attrName>
-                                        </p:attrNameLst>
-                                      </p:cBhvr>
-                                      <p:tavLst>
-                                        <p:tav tm="0">
-                                          <p:val>
-                                            <p:strVal val="#ppt_y-.1"/>
-                                          </p:val>
-                                        </p:tav>
-                                        <p:tav tm="100000">
-                                          <p:val>
-                                            <p:strVal val="#ppt_y"/>
-                                          </p:val>
-                                        </p:tav>
-                                      </p:tavLst>
-                                    </p:anim>
-                                  </p:childTnLst>
-                                </p:cTn>
-                              </p:par>
-                            </p:childTnLst>
-                          </p:cTn>
-                        </p:par>
-                        <p:par>
-                          <p:cTn id="20" fill="hold">
-                            <p:stCondLst>
-                              <p:cond delay="1300"/>
-                            </p:stCondLst>
-                            <p:childTnLst>
-                              <p:par>
-                                <p:cTn id="21" presetID="47" presetClass="entr" presetSubtype="0" fill="hold" grpId="0" nodeType="afterEffect">
-                                  <p:stCondLst>
-                                    <p:cond delay="0"/>
-                                  </p:stCondLst>
-                                  <p:childTnLst>
-                                    <p:set>
-                                      <p:cBhvr>
-                                        <p:cTn id="22" dur="1" fill="hold">
-                                          <p:stCondLst>
-                                            <p:cond delay="0"/>
-                                          </p:stCondLst>
-                                        </p:cTn>
-                                        <p:tgtEl>
-                                          <p:spTgt spid="3">
-                                            <p:txEl>
-                                              <p:pRg st="2" end="2"/>
-                                            </p:txEl>
-                                          </p:spTgt>
-                                        </p:tgtEl>
-                                        <p:attrNameLst>
-                                          <p:attrName>style.visibility</p:attrName>
-                                        </p:attrNameLst>
-                                      </p:cBhvr>
-                                      <p:to>
-                                        <p:strVal val="visible"/>
-                                      </p:to>
-                                    </p:set>
-                                    <p:animEffect transition="in" filter="fade">
-                                      <p:cBhvr>
-                                        <p:cTn id="23" dur="400"/>
-                                        <p:tgtEl>
-                                          <p:spTgt spid="3">
-                                            <p:txEl>
-                                              <p:pRg st="2" end="2"/>
-                                            </p:txEl>
-                                          </p:spTgt>
-                                        </p:tgtEl>
-                                      </p:cBhvr>
-                                    </p:animEffect>
-                                    <p:anim calcmode="lin" valueType="num">
-                                      <p:cBhvr>
-                                        <p:cTn id="24" dur="400" fill="hold"/>
-                                        <p:tgtEl>
-                                          <p:spTgt spid="3">
-                                            <p:txEl>
-                                              <p:pRg st="2" end="2"/>
-                                            </p:txEl>
-                                          </p:spTgt>
-                                        </p:tgtEl>
-                                        <p:attrNameLst>
-                                          <p:attrName>ppt_x</p:attrName>
-                                        </p:attrNameLst>
-                                      </p:cBhvr>
-                                      <p:tavLst>
-                                        <p:tav tm="0">
-                                          <p:val>
-                                            <p:strVal val="#ppt_x"/>
-                                          </p:val>
-                                        </p:tav>
-                                        <p:tav tm="100000">
-                                          <p:val>
-                                            <p:strVal val="#ppt_x"/>
-                                          </p:val>
-                                        </p:tav>
-                                      </p:tavLst>
-                                    </p:anim>
-                                    <p:anim calcmode="lin" valueType="num">
-                                      <p:cBhvr>
-                                        <p:cTn id="25" dur="400" fill="hold"/>
-                                        <p:tgtEl>
-                                          <p:spTgt spid="3">
-                                            <p:txEl>
-                                              <p:pRg st="2" end="2"/>
-                                            </p:txEl>
-                                          </p:spTgt>
-                                        </p:tgtEl>
-                                        <p:attrNameLst>
-                                          <p:attrName>ppt_y</p:attrName>
-                                        </p:attrNameLst>
-                                      </p:cBhvr>
-                                      <p:tavLst>
-                                        <p:tav tm="0">
-                                          <p:val>
-                                            <p:strVal val="#ppt_y-.1"/>
-                                          </p:val>
-                                        </p:tav>
-                                        <p:tav tm="100000">
-                                          <p:val>
-                                            <p:strVal val="#ppt_y"/>
-                                          </p:val>
-                                        </p:tav>
-                                      </p:tavLst>
-                                    </p:anim>
-                                  </p:childTnLst>
-                                </p:cTn>
-                              </p:par>
-                            </p:childTnLst>
-                          </p:cTn>
-                        </p:par>
-                        <p:par>
-                          <p:cTn id="26" fill="hold">
-                            <p:stCondLst>
-                              <p:cond delay="1700"/>
-                            </p:stCondLst>
-                            <p:childTnLst>
-                              <p:par>
-                                <p:cTn id="27" presetID="47" presetClass="entr" presetSubtype="0" fill="hold" grpId="0" nodeType="afterEffect">
-                                  <p:stCondLst>
-                                    <p:cond delay="0"/>
-                                  </p:stCondLst>
-                                  <p:childTnLst>
-                                    <p:set>
-                                      <p:cBhvr>
-                                        <p:cTn id="28" dur="1" fill="hold">
-                                          <p:stCondLst>
-                                            <p:cond delay="0"/>
-                                          </p:stCondLst>
-                                        </p:cTn>
-                                        <p:tgtEl>
-                                          <p:spTgt spid="3">
-                                            <p:txEl>
-                                              <p:pRg st="3" end="3"/>
-                                            </p:txEl>
-                                          </p:spTgt>
-                                        </p:tgtEl>
-                                        <p:attrNameLst>
-                                          <p:attrName>style.visibility</p:attrName>
-                                        </p:attrNameLst>
-                                      </p:cBhvr>
-                                      <p:to>
-                                        <p:strVal val="visible"/>
-                                      </p:to>
-                                    </p:set>
-                                    <p:animEffect transition="in" filter="fade">
-                                      <p:cBhvr>
-                                        <p:cTn id="29" dur="400"/>
-                                        <p:tgtEl>
-                                          <p:spTgt spid="3">
-                                            <p:txEl>
-                                              <p:pRg st="3" end="3"/>
-                                            </p:txEl>
-                                          </p:spTgt>
-                                        </p:tgtEl>
-                                      </p:cBhvr>
-                                    </p:animEffect>
-                                    <p:anim calcmode="lin" valueType="num">
-                                      <p:cBhvr>
-                                        <p:cTn id="30" dur="400" fill="hold"/>
-                                        <p:tgtEl>
-                                          <p:spTgt spid="3">
-                                            <p:txEl>
-                                              <p:pRg st="3" end="3"/>
-                                            </p:txEl>
-                                          </p:spTgt>
-                                        </p:tgtEl>
-                                        <p:attrNameLst>
-                                          <p:attrName>ppt_x</p:attrName>
-                                        </p:attrNameLst>
-                                      </p:cBhvr>
-                                      <p:tavLst>
-                                        <p:tav tm="0">
-                                          <p:val>
-                                            <p:strVal val="#ppt_x"/>
-                                          </p:val>
-                                        </p:tav>
-                                        <p:tav tm="100000">
-                                          <p:val>
-                                            <p:strVal val="#ppt_x"/>
-                                          </p:val>
-                                        </p:tav>
-                                      </p:tavLst>
-                                    </p:anim>
-                                    <p:anim calcmode="lin" valueType="num">
-                                      <p:cBhvr>
-                                        <p:cTn id="31" dur="400" fill="hold"/>
-                                        <p:tgtEl>
-                                          <p:spTgt spid="3">
-                                            <p:txEl>
-                                              <p:pRg st="3" end="3"/>
-                                            </p:txEl>
-                                          </p:spTgt>
-                                        </p:tgtEl>
-                                        <p:attrNameLst>
-                                          <p:attrName>ppt_y</p:attrName>
-                                        </p:attrNameLst>
-                                      </p:cBhvr>
-                                      <p:tavLst>
-                                        <p:tav tm="0">
-                                          <p:val>
-                                            <p:strVal val="#ppt_y-.1"/>
-                                          </p:val>
-                                        </p:tav>
-                                        <p:tav tm="100000">
-                                          <p:val>
-                                            <p:strVal val="#ppt_y"/>
-                                          </p:val>
-                                        </p:tav>
-                                      </p:tavLst>
-                                    </p:anim>
-                                  </p:childTnLst>
-                                </p:cTn>
-                              </p:par>
-                            </p:childTnLst>
-                          </p:cTn>
-                        </p:par>
-                        <p:par>
-                          <p:cTn id="32" fill="hold">
-                            <p:stCondLst>
-                              <p:cond delay="2100"/>
-                            </p:stCondLst>
-                            <p:childTnLst>
-                              <p:par>
-                                <p:cTn id="33" presetID="47" presetClass="entr" presetSubtype="0" fill="hold" grpId="0" nodeType="afterEffect">
-                                  <p:stCondLst>
-                                    <p:cond delay="0"/>
-                                  </p:stCondLst>
-                                  <p:childTnLst>
-                                    <p:set>
-                                      <p:cBhvr>
-                                        <p:cTn id="34" dur="1" fill="hold">
-                                          <p:stCondLst>
-                                            <p:cond delay="0"/>
-                                          </p:stCondLst>
-                                        </p:cTn>
-                                        <p:tgtEl>
-                                          <p:spTgt spid="3">
-                                            <p:txEl>
-                                              <p:pRg st="4" end="4"/>
-                                            </p:txEl>
-                                          </p:spTgt>
-                                        </p:tgtEl>
-                                        <p:attrNameLst>
-                                          <p:attrName>style.visibility</p:attrName>
-                                        </p:attrNameLst>
-                                      </p:cBhvr>
-                                      <p:to>
-                                        <p:strVal val="visible"/>
-                                      </p:to>
-                                    </p:set>
-                                    <p:animEffect transition="in" filter="fade">
-                                      <p:cBhvr>
-                                        <p:cTn id="35" dur="400"/>
-                                        <p:tgtEl>
-                                          <p:spTgt spid="3">
-                                            <p:txEl>
-                                              <p:pRg st="4" end="4"/>
-                                            </p:txEl>
-                                          </p:spTgt>
-                                        </p:tgtEl>
-                                      </p:cBhvr>
-                                    </p:animEffect>
-                                    <p:anim calcmode="lin" valueType="num">
-                                      <p:cBhvr>
-                                        <p:cTn id="36" dur="400" fill="hold"/>
-                                        <p:tgtEl>
-                                          <p:spTgt spid="3">
-                                            <p:txEl>
-                                              <p:pRg st="4" end="4"/>
-                                            </p:txEl>
-                                          </p:spTgt>
-                                        </p:tgtEl>
-                                        <p:attrNameLst>
-                                          <p:attrName>ppt_x</p:attrName>
-                                        </p:attrNameLst>
-                                      </p:cBhvr>
-                                      <p:tavLst>
-                                        <p:tav tm="0">
-                                          <p:val>
-                                            <p:strVal val="#ppt_x"/>
-                                          </p:val>
-                                        </p:tav>
-                                        <p:tav tm="100000">
-                                          <p:val>
-                                            <p:strVal val="#ppt_x"/>
-                                          </p:val>
-                                        </p:tav>
-                                      </p:tavLst>
-                                    </p:anim>
-                                    <p:anim calcmode="lin" valueType="num">
-                                      <p:cBhvr>
-                                        <p:cTn id="37" dur="400" fill="hold"/>
-                                        <p:tgtEl>
-                                          <p:spTgt spid="3">
-                                            <p:txEl>
-                                              <p:pRg st="4" end="4"/>
-                                            </p:txEl>
-                                          </p:spTgt>
-                                        </p:tgtEl>
-                                        <p:attrNameLst>
-                                          <p:attrName>ppt_y</p:attrName>
-                                        </p:attrNameLst>
-                                      </p:cBhvr>
-                                      <p:tavLst>
-                                        <p:tav tm="0">
-                                          <p:val>
-                                            <p:strVal val="#ppt_y-.1"/>
-                                          </p:val>
-                                        </p:tav>
-                                        <p:tav tm="100000">
-                                          <p:val>
-                                            <p:strVal val="#ppt_y"/>
-                                          </p:val>
-                                        </p:tav>
-                                      </p:tavLst>
-                                    </p:anim>
-                                  </p:childTnLst>
-                                </p:cTn>
-                              </p:par>
-                            </p:childTnLst>
-                          </p:cTn>
-                        </p:par>
-                        <p:par>
-                          <p:cTn id="38" fill="hold">
-                            <p:stCondLst>
-                              <p:cond delay="2500"/>
-                            </p:stCondLst>
-                            <p:childTnLst>
-                              <p:par>
-                                <p:cTn id="39" presetID="47" presetClass="entr" presetSubtype="0" fill="hold" grpId="0" nodeType="afterEffect">
-                                  <p:stCondLst>
-                                    <p:cond delay="0"/>
-                                  </p:stCondLst>
-                                  <p:childTnLst>
-                                    <p:set>
-                                      <p:cBhvr>
-                                        <p:cTn id="40" dur="1" fill="hold">
-                                          <p:stCondLst>
-                                            <p:cond delay="0"/>
-                                          </p:stCondLst>
-                                        </p:cTn>
-                                        <p:tgtEl>
-                                          <p:spTgt spid="3">
-                                            <p:txEl>
-                                              <p:pRg st="5" end="5"/>
-                                            </p:txEl>
-                                          </p:spTgt>
-                                        </p:tgtEl>
-                                        <p:attrNameLst>
-                                          <p:attrName>style.visibility</p:attrName>
-                                        </p:attrNameLst>
-                                      </p:cBhvr>
-                                      <p:to>
-                                        <p:strVal val="visible"/>
-                                      </p:to>
-                                    </p:set>
-                                    <p:animEffect transition="in" filter="fade">
-                                      <p:cBhvr>
-                                        <p:cTn id="41" dur="400"/>
-                                        <p:tgtEl>
-                                          <p:spTgt spid="3">
-                                            <p:txEl>
-                                              <p:pRg st="5" end="5"/>
-                                            </p:txEl>
-                                          </p:spTgt>
-                                        </p:tgtEl>
-                                      </p:cBhvr>
-                                    </p:animEffect>
-                                    <p:anim calcmode="lin" valueType="num">
-                                      <p:cBhvr>
-                                        <p:cTn id="42" dur="400" fill="hold"/>
-                                        <p:tgtEl>
-                                          <p:spTgt spid="3">
-                                            <p:txEl>
-                                              <p:pRg st="5" end="5"/>
-                                            </p:txEl>
-                                          </p:spTgt>
-                                        </p:tgtEl>
-                                        <p:attrNameLst>
-                                          <p:attrName>ppt_x</p:attrName>
-                                        </p:attrNameLst>
-                                      </p:cBhvr>
-                                      <p:tavLst>
-                                        <p:tav tm="0">
-                                          <p:val>
-                                            <p:strVal val="#ppt_x"/>
-                                          </p:val>
-                                        </p:tav>
-                                        <p:tav tm="100000">
-                                          <p:val>
-                                            <p:strVal val="#ppt_x"/>
-                                          </p:val>
-                                        </p:tav>
-                                      </p:tavLst>
-                                    </p:anim>
-                                    <p:anim calcmode="lin" valueType="num">
-                                      <p:cBhvr>
-                                        <p:cTn id="43" dur="400" fill="hold"/>
-                                        <p:tgtEl>
-                                          <p:spTgt spid="3">
-                                            <p:txEl>
-                                              <p:pRg st="5" end="5"/>
-                                            </p:txEl>
-                                          </p:spTgt>
-                                        </p:tgtEl>
-                                        <p:attrNameLst>
-                                          <p:attrName>ppt_y</p:attrName>
-                                        </p:attrNameLst>
-                                      </p:cBhvr>
-                                      <p:tavLst>
-                                        <p:tav tm="0">
-                                          <p:val>
-                                            <p:strVal val="#ppt_y-.1"/>
-                                          </p:val>
-                                        </p:tav>
-                                        <p:tav tm="100000">
-                                          <p:val>
-                                            <p:strVal val="#ppt_y"/>
-                                          </p:val>
-                                        </p:tav>
-                                      </p:tavLst>
-                                    </p:anim>
-                                  </p:childTnLst>
-                                </p:cTn>
-                              </p:par>
-                            </p:childTnLst>
-                          </p:cTn>
-                        </p:par>
-                        <p:par>
-                          <p:cTn id="44" fill="hold">
-                            <p:stCondLst>
-                              <p:cond delay="2900"/>
-                            </p:stCondLst>
-                            <p:childTnLst>
-                              <p:par>
-                                <p:cTn id="45" presetID="47" presetClass="entr" presetSubtype="0" fill="hold" grpId="0" nodeType="afterEffect">
-                                  <p:stCondLst>
-                                    <p:cond delay="0"/>
-                                  </p:stCondLst>
-                                  <p:childTnLst>
-                                    <p:set>
-                                      <p:cBhvr>
-                                        <p:cTn id="46" dur="1" fill="hold">
-                                          <p:stCondLst>
-                                            <p:cond delay="0"/>
-                                          </p:stCondLst>
-                                        </p:cTn>
-                                        <p:tgtEl>
-                                          <p:spTgt spid="3">
-                                            <p:txEl>
-                                              <p:pRg st="6" end="6"/>
-                                            </p:txEl>
-                                          </p:spTgt>
-                                        </p:tgtEl>
-                                        <p:attrNameLst>
-                                          <p:attrName>style.visibility</p:attrName>
-                                        </p:attrNameLst>
-                                      </p:cBhvr>
-                                      <p:to>
-                                        <p:strVal val="visible"/>
-                                      </p:to>
-                                    </p:set>
-                                    <p:animEffect transition="in" filter="fade">
-                                      <p:cBhvr>
-                                        <p:cTn id="47" dur="400"/>
-                                        <p:tgtEl>
-                                          <p:spTgt spid="3">
-                                            <p:txEl>
-                                              <p:pRg st="6" end="6"/>
-                                            </p:txEl>
-                                          </p:spTgt>
-                                        </p:tgtEl>
-                                      </p:cBhvr>
-                                    </p:animEffect>
-                                    <p:anim calcmode="lin" valueType="num">
-                                      <p:cBhvr>
-                                        <p:cTn id="48" dur="400" fill="hold"/>
-                                        <p:tgtEl>
-                                          <p:spTgt spid="3">
-                                            <p:txEl>
-                                              <p:pRg st="6" end="6"/>
-                                            </p:txEl>
-                                          </p:spTgt>
-                                        </p:tgtEl>
-                                        <p:attrNameLst>
-                                          <p:attrName>ppt_x</p:attrName>
-                                        </p:attrNameLst>
-                                      </p:cBhvr>
-                                      <p:tavLst>
-                                        <p:tav tm="0">
-                                          <p:val>
-                                            <p:strVal val="#ppt_x"/>
-                                          </p:val>
-                                        </p:tav>
-                                        <p:tav tm="100000">
-                                          <p:val>
-                                            <p:strVal val="#ppt_x"/>
-                                          </p:val>
-                                        </p:tav>
-                                      </p:tavLst>
-                                    </p:anim>
-                                    <p:anim calcmode="lin" valueType="num">
-                                      <p:cBhvr>
-                                        <p:cTn id="49" dur="400" fill="hold"/>
-                                        <p:tgtEl>
-                                          <p:spTgt spid="3">
-                                            <p:txEl>
-                                              <p:pRg st="6" end="6"/>
-                                            </p:txEl>
-                                          </p:spTgt>
-                                        </p:tgtEl>
-                                        <p:attrNameLst>
-                                          <p:attrName>ppt_y</p:attrName>
-                                        </p:attrNameLst>
-                                      </p:cBhvr>
-                                      <p:tavLst>
-                                        <p:tav tm="0">
-                                          <p:val>
-                                            <p:strVal val="#ppt_y-.1"/>
-                                          </p:val>
-                                        </p:tav>
-                                        <p:tav tm="100000">
-                                          <p:val>
-                                            <p:strVal val="#ppt_y"/>
-                                          </p:val>
-                                        </p:tav>
-                                      </p:tavLst>
-                                    </p:anim>
-                                  </p:childTnLst>
-                                </p:cTn>
-                              </p:par>
-                            </p:childTnLst>
-                          </p:cTn>
-                        </p:par>
-                        <p:par>
-                          <p:cTn id="50" fill="hold">
-                            <p:stCondLst>
-                              <p:cond delay="3300"/>
-                            </p:stCondLst>
-                            <p:childTnLst>
-                              <p:par>
-                                <p:cTn id="51" presetID="47" presetClass="entr" presetSubtype="0" fill="hold" grpId="0" nodeType="afterEffect">
-                                  <p:stCondLst>
-                                    <p:cond delay="0"/>
-                                  </p:stCondLst>
-                                  <p:childTnLst>
-                                    <p:set>
-                                      <p:cBhvr>
-                                        <p:cTn id="52" dur="1" fill="hold">
-                                          <p:stCondLst>
-                                            <p:cond delay="0"/>
-                                          </p:stCondLst>
-                                        </p:cTn>
-                                        <p:tgtEl>
-                                          <p:spTgt spid="3">
-                                            <p:txEl>
-                                              <p:pRg st="7" end="7"/>
-                                            </p:txEl>
-                                          </p:spTgt>
-                                        </p:tgtEl>
-                                        <p:attrNameLst>
-                                          <p:attrName>style.visibility</p:attrName>
-                                        </p:attrNameLst>
-                                      </p:cBhvr>
-                                      <p:to>
-                                        <p:strVal val="visible"/>
-                                      </p:to>
-                                    </p:set>
-                                    <p:animEffect transition="in" filter="fade">
-                                      <p:cBhvr>
-                                        <p:cTn id="53" dur="400"/>
-                                        <p:tgtEl>
-                                          <p:spTgt spid="3">
-                                            <p:txEl>
-                                              <p:pRg st="7" end="7"/>
-                                            </p:txEl>
-                                          </p:spTgt>
-                                        </p:tgtEl>
-                                      </p:cBhvr>
-                                    </p:animEffect>
-                                    <p:anim calcmode="lin" valueType="num">
-                                      <p:cBhvr>
-                                        <p:cTn id="54" dur="400" fill="hold"/>
-                                        <p:tgtEl>
-                                          <p:spTgt spid="3">
-                                            <p:txEl>
-                                              <p:pRg st="7" end="7"/>
-                                            </p:txEl>
-                                          </p:spTgt>
-                                        </p:tgtEl>
-                                        <p:attrNameLst>
-                                          <p:attrName>ppt_x</p:attrName>
-                                        </p:attrNameLst>
-                                      </p:cBhvr>
-                                      <p:tavLst>
-                                        <p:tav tm="0">
-                                          <p:val>
-                                            <p:strVal val="#ppt_x"/>
-                                          </p:val>
-                                        </p:tav>
-                                        <p:tav tm="100000">
-                                          <p:val>
-                                            <p:strVal val="#ppt_x"/>
-                                          </p:val>
-                                        </p:tav>
-                                      </p:tavLst>
-                                    </p:anim>
-                                    <p:anim calcmode="lin" valueType="num">
-                                      <p:cBhvr>
-                                        <p:cTn id="55" dur="400" fill="hold"/>
-                                        <p:tgtEl>
-                                          <p:spTgt spid="3">
-                                            <p:txEl>
-                                              <p:pRg st="7" end="7"/>
-                                            </p:txEl>
-                                          </p:spTgt>
-                                        </p:tgtEl>
-                                        <p:attrNameLst>
-                                          <p:attrName>ppt_y</p:attrName>
-                                        </p:attrNameLst>
-                                      </p:cBhvr>
-                                      <p:tavLst>
-                                        <p:tav tm="0">
-                                          <p:val>
-                                            <p:strVal val="#ppt_y-.1"/>
-                                          </p:val>
-                                        </p:tav>
-                                        <p:tav tm="100000">
-                                          <p:val>
-                                            <p:strVal val="#ppt_y"/>
-                                          </p:val>
-                                        </p:tav>
-                                      </p:tavLst>
-                                    </p:anim>
-                                  </p:childTnLst>
-                                </p:cTn>
-                              </p:par>
-                            </p:childTnLst>
-                          </p:cTn>
-                        </p:par>
-                        <p:par>
-                          <p:cTn id="56" fill="hold">
-                            <p:stCondLst>
-                              <p:cond delay="3700"/>
-                            </p:stCondLst>
-                            <p:childTnLst>
-                              <p:par>
-                                <p:cTn id="57" presetID="47" presetClass="entr" presetSubtype="0" fill="hold" grpId="0" nodeType="afterEffect">
-                                  <p:stCondLst>
-                                    <p:cond delay="0"/>
-                                  </p:stCondLst>
-                                  <p:childTnLst>
-                                    <p:set>
-                                      <p:cBhvr>
-                                        <p:cTn id="58" dur="1" fill="hold">
-                                          <p:stCondLst>
-                                            <p:cond delay="0"/>
-                                          </p:stCondLst>
-                                        </p:cTn>
-                                        <p:tgtEl>
-                                          <p:spTgt spid="3">
-                                            <p:txEl>
-                                              <p:pRg st="8" end="8"/>
-                                            </p:txEl>
-                                          </p:spTgt>
-                                        </p:tgtEl>
-                                        <p:attrNameLst>
-                                          <p:attrName>style.visibility</p:attrName>
-                                        </p:attrNameLst>
-                                      </p:cBhvr>
-                                      <p:to>
-                                        <p:strVal val="visible"/>
-                                      </p:to>
-                                    </p:set>
-                                    <p:animEffect transition="in" filter="fade">
-                                      <p:cBhvr>
-                                        <p:cTn id="59" dur="400"/>
-                                        <p:tgtEl>
-                                          <p:spTgt spid="3">
-                                            <p:txEl>
-                                              <p:pRg st="8" end="8"/>
-                                            </p:txEl>
-                                          </p:spTgt>
-                                        </p:tgtEl>
-                                      </p:cBhvr>
-                                    </p:animEffect>
-                                    <p:anim calcmode="lin" valueType="num">
-                                      <p:cBhvr>
-                                        <p:cTn id="60" dur="400" fill="hold"/>
-                                        <p:tgtEl>
-                                          <p:spTgt spid="3">
-                                            <p:txEl>
-                                              <p:pRg st="8" end="8"/>
-                                            </p:txEl>
-                                          </p:spTgt>
-                                        </p:tgtEl>
-                                        <p:attrNameLst>
-                                          <p:attrName>ppt_x</p:attrName>
-                                        </p:attrNameLst>
-                                      </p:cBhvr>
-                                      <p:tavLst>
-                                        <p:tav tm="0">
-                                          <p:val>
-                                            <p:strVal val="#ppt_x"/>
-                                          </p:val>
-                                        </p:tav>
-                                        <p:tav tm="100000">
-                                          <p:val>
-                                            <p:strVal val="#ppt_x"/>
-                                          </p:val>
-                                        </p:tav>
-                                      </p:tavLst>
-                                    </p:anim>
-                                    <p:anim calcmode="lin" valueType="num">
-                                      <p:cBhvr>
-                                        <p:cTn id="61" dur="400" fill="hold"/>
-                                        <p:tgtEl>
-                                          <p:spTgt spid="3">
-                                            <p:txEl>
-                                              <p:pRg st="8" end="8"/>
-                                            </p:txEl>
-                                          </p:spTgt>
-                                        </p:tgtEl>
-                                        <p:attrNameLst>
-                                          <p:attrName>ppt_y</p:attrName>
-                                        </p:attrNameLst>
-                                      </p:cBhvr>
-                                      <p:tavLst>
-                                        <p:tav tm="0">
-                                          <p:val>
-                                            <p:strVal val="#ppt_y-.1"/>
-                                          </p:val>
-                                        </p:tav>
-                                        <p:tav tm="100000">
-                                          <p:val>
-                                            <p:strVal val="#ppt_y"/>
-                                          </p:val>
-                                        </p:tav>
-                                      </p:tavLst>
-                                    </p:anim>
-                                  </p:childTnLst>
-                                </p:cTn>
-                              </p:par>
-                            </p:childTnLst>
-                          </p:cTn>
-                        </p:par>
-                      </p:childTnLst>
-                    </p:cTn>
-                  </p:par>
-                </p:childTnLst>
-              </p:cTn>
-              <p:prevCondLst>
-                <p:cond evt="onPrev" delay="0">
-                  <p:tgtEl>
-                    <p:sldTgt/>
-                  </p:tgtEl>
-                </p:cond>
-              </p:prevCondLst>
-              <p:nextCondLst>
-                <p:cond evt="onNext" delay="0">
-                  <p:tgtEl>
-                    <p:sldTgt/>
-                  </p:tgtEl>
-                </p:cond>
-              </p:nextCondLst>
-            </p:seq>
-          </p:childTnLst>
-        </p:cTn>
-      </p:par>
-    </p:tnLst>
-    <p:bldLst>
-      <p:bldP spid="2" grpId="0"/>
-      <p:bldP spid="3" grpId="0" build="p"/>
-    </p:bldLst>
-  </p:timing>
-</p:sld>
-</file>
-
-<file path=ppt/slides/slide4.xml><?xml version="1.0" encoding="utf-8"?>
-<p:sld xmlns:a="http://schemas.openxmlformats.org/drawingml/2006/main" xmlns:r="http://schemas.openxmlformats.org/officeDocument/2006/relationships" xmlns:p="http://schemas.openxmlformats.org/presentationml/2006/main">
-  <p:cSld>
-    <p:spTree>
-      <p:nvGrpSpPr>
-        <p:cNvPr id="1" name=""/>
-        <p:cNvGrpSpPr/>
-        <p:nvPr/>
-      </p:nvGrpSpPr>
-      <p:grpSpPr>
-        <a:xfrm>
-          <a:off x="0" y="0"/>
-          <a:ext cx="0" cy="0"/>
-          <a:chOff x="0" y="0"/>
-          <a:chExt cx="0" cy="0"/>
-        </a:xfrm>
-      </p:grpSpPr>
-      <p:sp>
-        <p:nvSpPr>
-          <p:cNvPr id="3" name="Content Placeholder 2"/>
-          <p:cNvSpPr>
-            <a:spLocks noGrp="1"/>
-          </p:cNvSpPr>
-          <p:nvPr>
-            <p:ph idx="1"/>
-          </p:nvPr>
-        </p:nvSpPr>
-        <p:spPr>
-          <a:xfrm>
-            <a:off x="1028700" y="510604"/>
-            <a:ext cx="8947150" cy="5552059"/>
-          </a:xfrm>
-        </p:spPr>
-        <p:txBody>
-          <a:bodyPr vert="horz" lIns="91440" tIns="45720" rIns="91440" bIns="45720" rtlCol="0" anchor="t">
-            <a:normAutofit lnSpcReduction="10000"/>
-          </a:bodyPr>
-          <a:lstStyle/>
-          <a:p>
-            <a:endParaRPr lang="it-IT" dirty="0">
-              <a:latin typeface="Arial"/>
-            </a:endParaRPr>
-          </a:p>
-          <a:p>
-            <a:r>
-              <a:rPr lang="EN-US" dirty="0">
-                <a:latin typeface="Century Gothic"/>
-              </a:rPr>
-              <a:t>[G10]  Bill the </a:t>
-            </a:r>
-            <a:r>
-              <a:rPr lang="EN-US" dirty="0" err="1">
-                <a:latin typeface="Century Gothic"/>
-              </a:rPr>
-              <a:t>PowerUser</a:t>
-            </a:r>
-            <a:r>
-              <a:rPr lang="EN-US" dirty="0">
-                <a:latin typeface="Century Gothic"/>
-              </a:rPr>
-              <a:t> for the amount of time spent riding a Car. </a:t>
-            </a:r>
-          </a:p>
-          <a:p>
-            <a:r>
-              <a:rPr lang="EN-US" dirty="0">
-                <a:latin typeface="Century Gothic"/>
-              </a:rPr>
-              <a:t>[G11]  Allow </a:t>
-            </a:r>
-            <a:r>
-              <a:rPr lang="EN-US" dirty="0" err="1">
-                <a:latin typeface="Century Gothic"/>
-              </a:rPr>
-              <a:t>PowerUser</a:t>
-            </a:r>
-            <a:r>
-              <a:rPr lang="EN-US" dirty="0">
-                <a:latin typeface="Century Gothic"/>
-              </a:rPr>
-              <a:t> to see a list of the closest Special Parking Areas to his destination. </a:t>
-            </a:r>
-            <a:endParaRPr lang="en-US" dirty="0">
-              <a:latin typeface="Century Gothic"/>
-            </a:endParaRPr>
-          </a:p>
-          <a:p>
-            <a:r>
-              <a:rPr lang="EN-US" dirty="0">
-                <a:latin typeface="Century Gothic"/>
-              </a:rPr>
-              <a:t>[G12]  Allow </a:t>
-            </a:r>
-            <a:r>
-              <a:rPr lang="EN-US" dirty="0" err="1">
-                <a:latin typeface="Century Gothic"/>
-              </a:rPr>
-              <a:t>PowerUser</a:t>
-            </a:r>
-            <a:r>
-              <a:rPr lang="EN-US" dirty="0">
-                <a:latin typeface="Century Gothic"/>
-              </a:rPr>
-              <a:t> to keep track of the current charged fare. </a:t>
-            </a:r>
-            <a:endParaRPr lang="en-US" dirty="0">
-              <a:latin typeface="Century Gothic"/>
-            </a:endParaRPr>
-          </a:p>
-          <a:p>
-            <a:r>
-              <a:rPr lang="EN-US" dirty="0">
-                <a:latin typeface="Century Gothic"/>
-              </a:rPr>
-              <a:t>[G13]  Allow </a:t>
-            </a:r>
-            <a:r>
-              <a:rPr lang="EN-US" dirty="0" err="1">
-                <a:latin typeface="Century Gothic"/>
-              </a:rPr>
-              <a:t>PowerUser</a:t>
-            </a:r>
-            <a:r>
-              <a:rPr lang="EN-US" dirty="0">
-                <a:latin typeface="Century Gothic"/>
-              </a:rPr>
-              <a:t> to check whether he can be eligible for any discount or penalty. </a:t>
-            </a:r>
-            <a:endParaRPr lang="en-US" dirty="0">
-              <a:latin typeface="Century Gothic"/>
-            </a:endParaRPr>
-          </a:p>
-          <a:p>
-            <a:r>
-              <a:rPr lang="EN-US" b="1" dirty="0">
-                <a:latin typeface="Century Gothic"/>
-              </a:rPr>
-              <a:t>[G14]  Allow </a:t>
-            </a:r>
-            <a:r>
-              <a:rPr lang="EN-US" b="1" dirty="0" err="1">
-                <a:latin typeface="Century Gothic"/>
-              </a:rPr>
-              <a:t>PowerUser</a:t>
-            </a:r>
-            <a:r>
-              <a:rPr lang="EN-US" b="1" dirty="0">
-                <a:latin typeface="Century Gothic"/>
-              </a:rPr>
-              <a:t> to get a money saving alternative destination. </a:t>
-            </a:r>
-            <a:endParaRPr lang="en-US" b="1" dirty="0">
-              <a:latin typeface="Century Gothic"/>
-            </a:endParaRPr>
-          </a:p>
-          <a:p>
-            <a:r>
-              <a:rPr lang="EN-US" b="1" dirty="0">
-                <a:latin typeface="Century Gothic"/>
-              </a:rPr>
-              <a:t>[G15]  Allow the system to lock the Car in a Safe Parking Area at the end of the ride. </a:t>
-            </a:r>
-            <a:endParaRPr lang="en-US" b="1" dirty="0">
-              <a:latin typeface="Century Gothic"/>
-            </a:endParaRPr>
-          </a:p>
-          <a:p>
-            <a:r>
-              <a:rPr lang="EN-US" dirty="0">
-                <a:latin typeface="Century Gothic"/>
-              </a:rPr>
-              <a:t>[G16]  Allow the system to apply penalty or discount according to the given criteria. </a:t>
-            </a:r>
-            <a:endParaRPr lang="en-US" dirty="0">
-              <a:latin typeface="Century Gothic"/>
-            </a:endParaRPr>
-          </a:p>
-          <a:p>
-            <a:r>
-              <a:rPr lang="EN-US" dirty="0">
-                <a:latin typeface="Century Gothic"/>
-              </a:rPr>
-              <a:t>[G17]  Let the system bill the </a:t>
-            </a:r>
-            <a:r>
-              <a:rPr lang="EN-US" dirty="0" err="1">
-                <a:latin typeface="Century Gothic"/>
-              </a:rPr>
-              <a:t>PowerUser</a:t>
-            </a:r>
-            <a:r>
-              <a:rPr lang="EN-US" dirty="0">
-                <a:latin typeface="Century Gothic"/>
-              </a:rPr>
-              <a:t> for the total ride fare and issue a payment request for that amount at the end of the ride. </a:t>
-            </a:r>
-            <a:endParaRPr lang="en-US" dirty="0">
-              <a:latin typeface="Century Gothic"/>
-            </a:endParaRPr>
-          </a:p>
-          <a:p>
-            <a:endParaRPr lang="EN-US" dirty="0">
-              <a:latin typeface="Arial"/>
-            </a:endParaRPr>
-          </a:p>
-          <a:p>
-            <a:endParaRPr lang="en-US" dirty="0"/>
-          </a:p>
-        </p:txBody>
-      </p:sp>
-    </p:spTree>
-    <p:extLst>
-      <p:ext uri="{BB962C8B-B14F-4D97-AF65-F5344CB8AC3E}">
-        <p14:creationId xmlns:p14="http://schemas.microsoft.com/office/powerpoint/2010/main" val="1290043637"/>
-      </p:ext>
-    </p:extLst>
-  </p:cSld>
-  <p:clrMapOvr>
-    <a:masterClrMapping/>
-  </p:clrMapOvr>
-  <p:timing>
-    <p:tnLst>
-      <p:par>
-        <p:cTn id="1" dur="indefinite" restart="never" nodeType="tmRoot">
-          <p:childTnLst>
-            <p:seq concurrent="1" nextAc="seek">
-              <p:cTn id="2" dur="indefinite" nodeType="mainSeq">
-                <p:childTnLst>
-                  <p:par>
-                    <p:cTn id="3" fill="hold">
-                      <p:stCondLst>
-                        <p:cond delay="indefinite"/>
-                        <p:cond evt="onBegin" delay="0">
-                          <p:tn val="2"/>
-                        </p:cond>
-                      </p:stCondLst>
-                      <p:childTnLst>
-                        <p:par>
-                          <p:cTn id="4" fill="hold">
-                            <p:stCondLst>
-                              <p:cond delay="0"/>
-                            </p:stCondLst>
-                            <p:childTnLst>
-                              <p:par>
-                                <p:cTn id="5" presetID="47" presetClass="entr" presetSubtype="0" fill="hold" grpId="0" nodeType="afterEffect">
-                                  <p:stCondLst>
-                                    <p:cond delay="0"/>
-                                  </p:stCondLst>
-                                  <p:childTnLst>
-                                    <p:set>
-                                      <p:cBhvr>
-                                        <p:cTn id="6" dur="1" fill="hold">
-                                          <p:stCondLst>
-                                            <p:cond delay="0"/>
-                                          </p:stCondLst>
-                                        </p:cTn>
-                                        <p:tgtEl>
-                                          <p:spTgt spid="3">
-                                            <p:txEl>
-                                              <p:pRg st="1" end="1"/>
-                                            </p:txEl>
-                                          </p:spTgt>
-                                        </p:tgtEl>
-                                        <p:attrNameLst>
-                                          <p:attrName>style.visibility</p:attrName>
-                                        </p:attrNameLst>
-                                      </p:cBhvr>
-                                      <p:to>
-                                        <p:strVal val="visible"/>
-                                      </p:to>
-                                    </p:set>
-                                    <p:animEffect transition="in" filter="fade">
-                                      <p:cBhvr>
-                                        <p:cTn id="7" dur="400"/>
-                                        <p:tgtEl>
-                                          <p:spTgt spid="3">
-                                            <p:txEl>
-                                              <p:pRg st="1" end="1"/>
-                                            </p:txEl>
-                                          </p:spTgt>
-                                        </p:tgtEl>
-                                      </p:cBhvr>
-                                    </p:animEffect>
-                                    <p:anim calcmode="lin" valueType="num">
-                                      <p:cBhvr>
-                                        <p:cTn id="8" dur="400" fill="hold"/>
-                                        <p:tgtEl>
-                                          <p:spTgt spid="3">
-                                            <p:txEl>
-                                              <p:pRg st="1" end="1"/>
-                                            </p:txEl>
-                                          </p:spTgt>
-                                        </p:tgtEl>
-                                        <p:attrNameLst>
-                                          <p:attrName>ppt_x</p:attrName>
-                                        </p:attrNameLst>
-                                      </p:cBhvr>
-                                      <p:tavLst>
-                                        <p:tav tm="0">
-                                          <p:val>
-                                            <p:strVal val="#ppt_x"/>
-                                          </p:val>
-                                        </p:tav>
-                                        <p:tav tm="100000">
-                                          <p:val>
-                                            <p:strVal val="#ppt_x"/>
-                                          </p:val>
-                                        </p:tav>
-                                      </p:tavLst>
-                                    </p:anim>
-                                    <p:anim calcmode="lin" valueType="num">
-                                      <p:cBhvr>
-                                        <p:cTn id="9" dur="400" fill="hold"/>
-                                        <p:tgtEl>
-                                          <p:spTgt spid="3">
-                                            <p:txEl>
-                                              <p:pRg st="1" end="1"/>
-                                            </p:txEl>
-                                          </p:spTgt>
-                                        </p:tgtEl>
-                                        <p:attrNameLst>
-                                          <p:attrName>ppt_y</p:attrName>
-                                        </p:attrNameLst>
-                                      </p:cBhvr>
-                                      <p:tavLst>
-                                        <p:tav tm="0">
-                                          <p:val>
-                                            <p:strVal val="#ppt_y-.1"/>
-                                          </p:val>
-                                        </p:tav>
-                                        <p:tav tm="100000">
-                                          <p:val>
-                                            <p:strVal val="#ppt_y"/>
-                                          </p:val>
-                                        </p:tav>
-                                      </p:tavLst>
-                                    </p:anim>
-                                  </p:childTnLst>
-                                </p:cTn>
-                              </p:par>
-                            </p:childTnLst>
-                          </p:cTn>
-                        </p:par>
-                        <p:par>
-                          <p:cTn id="10" fill="hold">
-                            <p:stCondLst>
-                              <p:cond delay="400"/>
-                            </p:stCondLst>
-                            <p:childTnLst>
-                              <p:par>
-                                <p:cTn id="11" presetID="47" presetClass="entr" presetSubtype="0" fill="hold" grpId="0" nodeType="afterEffect">
-                                  <p:stCondLst>
-                                    <p:cond delay="0"/>
-                                  </p:stCondLst>
-                                  <p:childTnLst>
-                                    <p:set>
-                                      <p:cBhvr>
-                                        <p:cTn id="12" dur="1" fill="hold">
-                                          <p:stCondLst>
-                                            <p:cond delay="0"/>
-                                          </p:stCondLst>
-                                        </p:cTn>
-                                        <p:tgtEl>
-                                          <p:spTgt spid="3">
-                                            <p:txEl>
-                                              <p:pRg st="2" end="2"/>
-                                            </p:txEl>
-                                          </p:spTgt>
-                                        </p:tgtEl>
-                                        <p:attrNameLst>
-                                          <p:attrName>style.visibility</p:attrName>
-                                        </p:attrNameLst>
-                                      </p:cBhvr>
-                                      <p:to>
-                                        <p:strVal val="visible"/>
-                                      </p:to>
-                                    </p:set>
-                                    <p:animEffect transition="in" filter="fade">
-                                      <p:cBhvr>
-                                        <p:cTn id="13" dur="400"/>
-                                        <p:tgtEl>
-                                          <p:spTgt spid="3">
-                                            <p:txEl>
-                                              <p:pRg st="2" end="2"/>
-                                            </p:txEl>
-                                          </p:spTgt>
-                                        </p:tgtEl>
-                                      </p:cBhvr>
-                                    </p:animEffect>
-                                    <p:anim calcmode="lin" valueType="num">
-                                      <p:cBhvr>
-                                        <p:cTn id="14" dur="400" fill="hold"/>
-                                        <p:tgtEl>
-                                          <p:spTgt spid="3">
-                                            <p:txEl>
-                                              <p:pRg st="2" end="2"/>
-                                            </p:txEl>
-                                          </p:spTgt>
-                                        </p:tgtEl>
-                                        <p:attrNameLst>
-                                          <p:attrName>ppt_x</p:attrName>
-                                        </p:attrNameLst>
-                                      </p:cBhvr>
-                                      <p:tavLst>
-                                        <p:tav tm="0">
-                                          <p:val>
-                                            <p:strVal val="#ppt_x"/>
-                                          </p:val>
-                                        </p:tav>
-                                        <p:tav tm="100000">
-                                          <p:val>
-                                            <p:strVal val="#ppt_x"/>
-                                          </p:val>
-                                        </p:tav>
-                                      </p:tavLst>
-                                    </p:anim>
-                                    <p:anim calcmode="lin" valueType="num">
-                                      <p:cBhvr>
-                                        <p:cTn id="15" dur="400" fill="hold"/>
-                                        <p:tgtEl>
-                                          <p:spTgt spid="3">
-                                            <p:txEl>
-                                              <p:pRg st="2" end="2"/>
-                                            </p:txEl>
-                                          </p:spTgt>
-                                        </p:tgtEl>
-                                        <p:attrNameLst>
-                                          <p:attrName>ppt_y</p:attrName>
-                                        </p:attrNameLst>
-                                      </p:cBhvr>
-                                      <p:tavLst>
-                                        <p:tav tm="0">
-                                          <p:val>
-                                            <p:strVal val="#ppt_y-.1"/>
-                                          </p:val>
-                                        </p:tav>
-                                        <p:tav tm="100000">
-                                          <p:val>
-                                            <p:strVal val="#ppt_y"/>
-                                          </p:val>
-                                        </p:tav>
-                                      </p:tavLst>
-                                    </p:anim>
-                                  </p:childTnLst>
-                                </p:cTn>
-                              </p:par>
-                            </p:childTnLst>
-                          </p:cTn>
-                        </p:par>
-                        <p:par>
-                          <p:cTn id="16" fill="hold">
-                            <p:stCondLst>
-                              <p:cond delay="800"/>
-                            </p:stCondLst>
-                            <p:childTnLst>
-                              <p:par>
-                                <p:cTn id="17" presetID="47" presetClass="entr" presetSubtype="0" fill="hold" grpId="0" nodeType="afterEffect">
-                                  <p:stCondLst>
-                                    <p:cond delay="0"/>
-                                  </p:stCondLst>
-                                  <p:childTnLst>
-                                    <p:set>
-                                      <p:cBhvr>
-                                        <p:cTn id="18" dur="1" fill="hold">
-                                          <p:stCondLst>
-                                            <p:cond delay="0"/>
-                                          </p:stCondLst>
-                                        </p:cTn>
-                                        <p:tgtEl>
-                                          <p:spTgt spid="3">
-                                            <p:txEl>
-                                              <p:pRg st="3" end="3"/>
-                                            </p:txEl>
-                                          </p:spTgt>
-                                        </p:tgtEl>
-                                        <p:attrNameLst>
-                                          <p:attrName>style.visibility</p:attrName>
-                                        </p:attrNameLst>
-                                      </p:cBhvr>
-                                      <p:to>
-                                        <p:strVal val="visible"/>
-                                      </p:to>
-                                    </p:set>
-                                    <p:animEffect transition="in" filter="fade">
-                                      <p:cBhvr>
-                                        <p:cTn id="19" dur="400"/>
-                                        <p:tgtEl>
-                                          <p:spTgt spid="3">
-                                            <p:txEl>
-                                              <p:pRg st="3" end="3"/>
-                                            </p:txEl>
-                                          </p:spTgt>
-                                        </p:tgtEl>
-                                      </p:cBhvr>
-                                    </p:animEffect>
-                                    <p:anim calcmode="lin" valueType="num">
-                                      <p:cBhvr>
-                                        <p:cTn id="20" dur="400" fill="hold"/>
-                                        <p:tgtEl>
-                                          <p:spTgt spid="3">
-                                            <p:txEl>
-                                              <p:pRg st="3" end="3"/>
-                                            </p:txEl>
-                                          </p:spTgt>
-                                        </p:tgtEl>
-                                        <p:attrNameLst>
-                                          <p:attrName>ppt_x</p:attrName>
-                                        </p:attrNameLst>
-                                      </p:cBhvr>
-                                      <p:tavLst>
-                                        <p:tav tm="0">
-                                          <p:val>
-                                            <p:strVal val="#ppt_x"/>
-                                          </p:val>
-                                        </p:tav>
-                                        <p:tav tm="100000">
-                                          <p:val>
-                                            <p:strVal val="#ppt_x"/>
-                                          </p:val>
-                                        </p:tav>
-                                      </p:tavLst>
-                                    </p:anim>
-                                    <p:anim calcmode="lin" valueType="num">
-                                      <p:cBhvr>
-                                        <p:cTn id="21" dur="400" fill="hold"/>
-                                        <p:tgtEl>
-                                          <p:spTgt spid="3">
-                                            <p:txEl>
-                                              <p:pRg st="3" end="3"/>
-                                            </p:txEl>
-                                          </p:spTgt>
-                                        </p:tgtEl>
-                                        <p:attrNameLst>
-                                          <p:attrName>ppt_y</p:attrName>
-                                        </p:attrNameLst>
-                                      </p:cBhvr>
-                                      <p:tavLst>
-                                        <p:tav tm="0">
-                                          <p:val>
-                                            <p:strVal val="#ppt_y-.1"/>
-                                          </p:val>
-                                        </p:tav>
-                                        <p:tav tm="100000">
-                                          <p:val>
-                                            <p:strVal val="#ppt_y"/>
-                                          </p:val>
-                                        </p:tav>
-                                      </p:tavLst>
-                                    </p:anim>
-                                  </p:childTnLst>
-                                </p:cTn>
-                              </p:par>
-                            </p:childTnLst>
-                          </p:cTn>
-                        </p:par>
-                        <p:par>
-                          <p:cTn id="22" fill="hold">
-                            <p:stCondLst>
-                              <p:cond delay="1200"/>
-                            </p:stCondLst>
-                            <p:childTnLst>
-                              <p:par>
-                                <p:cTn id="23" presetID="47" presetClass="entr" presetSubtype="0" fill="hold" grpId="0" nodeType="afterEffect">
-                                  <p:stCondLst>
-                                    <p:cond delay="0"/>
-                                  </p:stCondLst>
-                                  <p:childTnLst>
-                                    <p:set>
-                                      <p:cBhvr>
-                                        <p:cTn id="24" dur="1" fill="hold">
-                                          <p:stCondLst>
-                                            <p:cond delay="0"/>
-                                          </p:stCondLst>
-                                        </p:cTn>
-                                        <p:tgtEl>
-                                          <p:spTgt spid="3">
-                                            <p:txEl>
-                                              <p:pRg st="4" end="4"/>
-                                            </p:txEl>
-                                          </p:spTgt>
-                                        </p:tgtEl>
-                                        <p:attrNameLst>
-                                          <p:attrName>style.visibility</p:attrName>
-                                        </p:attrNameLst>
-                                      </p:cBhvr>
-                                      <p:to>
-                                        <p:strVal val="visible"/>
-                                      </p:to>
-                                    </p:set>
-                                    <p:animEffect transition="in" filter="fade">
-                                      <p:cBhvr>
-                                        <p:cTn id="25" dur="400"/>
-                                        <p:tgtEl>
-                                          <p:spTgt spid="3">
-                                            <p:txEl>
-                                              <p:pRg st="4" end="4"/>
-                                            </p:txEl>
-                                          </p:spTgt>
-                                        </p:tgtEl>
-                                      </p:cBhvr>
-                                    </p:animEffect>
-                                    <p:anim calcmode="lin" valueType="num">
-                                      <p:cBhvr>
-                                        <p:cTn id="26" dur="400" fill="hold"/>
-                                        <p:tgtEl>
-                                          <p:spTgt spid="3">
-                                            <p:txEl>
-                                              <p:pRg st="4" end="4"/>
-                                            </p:txEl>
-                                          </p:spTgt>
-                                        </p:tgtEl>
-                                        <p:attrNameLst>
-                                          <p:attrName>ppt_x</p:attrName>
-                                        </p:attrNameLst>
-                                      </p:cBhvr>
-                                      <p:tavLst>
-                                        <p:tav tm="0">
-                                          <p:val>
-                                            <p:strVal val="#ppt_x"/>
-                                          </p:val>
-                                        </p:tav>
-                                        <p:tav tm="100000">
-                                          <p:val>
-                                            <p:strVal val="#ppt_x"/>
-                                          </p:val>
-                                        </p:tav>
-                                      </p:tavLst>
-                                    </p:anim>
-                                    <p:anim calcmode="lin" valueType="num">
-                                      <p:cBhvr>
-                                        <p:cTn id="27" dur="400" fill="hold"/>
-                                        <p:tgtEl>
-                                          <p:spTgt spid="3">
-                                            <p:txEl>
-                                              <p:pRg st="4" end="4"/>
-                                            </p:txEl>
-                                          </p:spTgt>
-                                        </p:tgtEl>
-                                        <p:attrNameLst>
-                                          <p:attrName>ppt_y</p:attrName>
-                                        </p:attrNameLst>
-                                      </p:cBhvr>
-                                      <p:tavLst>
-                                        <p:tav tm="0">
-                                          <p:val>
-                                            <p:strVal val="#ppt_y-.1"/>
-                                          </p:val>
-                                        </p:tav>
-                                        <p:tav tm="100000">
-                                          <p:val>
-                                            <p:strVal val="#ppt_y"/>
-                                          </p:val>
-                                        </p:tav>
-                                      </p:tavLst>
-                                    </p:anim>
-                                  </p:childTnLst>
-                                </p:cTn>
-                              </p:par>
-                            </p:childTnLst>
-                          </p:cTn>
-                        </p:par>
-                        <p:par>
-                          <p:cTn id="28" fill="hold">
-                            <p:stCondLst>
-                              <p:cond delay="1600"/>
-                            </p:stCondLst>
-                            <p:childTnLst>
-                              <p:par>
-                                <p:cTn id="29" presetID="47" presetClass="entr" presetSubtype="0" fill="hold" grpId="0" nodeType="afterEffect">
-                                  <p:stCondLst>
-                                    <p:cond delay="0"/>
-                                  </p:stCondLst>
-                                  <p:childTnLst>
-                                    <p:set>
-                                      <p:cBhvr>
-                                        <p:cTn id="30" dur="1" fill="hold">
-                                          <p:stCondLst>
-                                            <p:cond delay="0"/>
-                                          </p:stCondLst>
-                                        </p:cTn>
-                                        <p:tgtEl>
-                                          <p:spTgt spid="3">
-                                            <p:txEl>
-                                              <p:pRg st="5" end="5"/>
-                                            </p:txEl>
-                                          </p:spTgt>
-                                        </p:tgtEl>
-                                        <p:attrNameLst>
-                                          <p:attrName>style.visibility</p:attrName>
-                                        </p:attrNameLst>
-                                      </p:cBhvr>
-                                      <p:to>
-                                        <p:strVal val="visible"/>
-                                      </p:to>
-                                    </p:set>
-                                    <p:animEffect transition="in" filter="fade">
-                                      <p:cBhvr>
-                                        <p:cTn id="31" dur="400"/>
-                                        <p:tgtEl>
-                                          <p:spTgt spid="3">
-                                            <p:txEl>
-                                              <p:pRg st="5" end="5"/>
-                                            </p:txEl>
-                                          </p:spTgt>
-                                        </p:tgtEl>
-                                      </p:cBhvr>
-                                    </p:animEffect>
-                                    <p:anim calcmode="lin" valueType="num">
-                                      <p:cBhvr>
-                                        <p:cTn id="32" dur="400" fill="hold"/>
-                                        <p:tgtEl>
-                                          <p:spTgt spid="3">
-                                            <p:txEl>
-                                              <p:pRg st="5" end="5"/>
-                                            </p:txEl>
-                                          </p:spTgt>
-                                        </p:tgtEl>
-                                        <p:attrNameLst>
-                                          <p:attrName>ppt_x</p:attrName>
-                                        </p:attrNameLst>
-                                      </p:cBhvr>
-                                      <p:tavLst>
-                                        <p:tav tm="0">
-                                          <p:val>
-                                            <p:strVal val="#ppt_x"/>
-                                          </p:val>
-                                        </p:tav>
-                                        <p:tav tm="100000">
-                                          <p:val>
-                                            <p:strVal val="#ppt_x"/>
-                                          </p:val>
-                                        </p:tav>
-                                      </p:tavLst>
-                                    </p:anim>
-                                    <p:anim calcmode="lin" valueType="num">
-                                      <p:cBhvr>
-                                        <p:cTn id="33" dur="400" fill="hold"/>
-                                        <p:tgtEl>
-                                          <p:spTgt spid="3">
-                                            <p:txEl>
-                                              <p:pRg st="5" end="5"/>
-                                            </p:txEl>
-                                          </p:spTgt>
-                                        </p:tgtEl>
-                                        <p:attrNameLst>
-                                          <p:attrName>ppt_y</p:attrName>
-                                        </p:attrNameLst>
-                                      </p:cBhvr>
-                                      <p:tavLst>
-                                        <p:tav tm="0">
-                                          <p:val>
-                                            <p:strVal val="#ppt_y-.1"/>
-                                          </p:val>
-                                        </p:tav>
-                                        <p:tav tm="100000">
-                                          <p:val>
-                                            <p:strVal val="#ppt_y"/>
-                                          </p:val>
-                                        </p:tav>
-                                      </p:tavLst>
-                                    </p:anim>
-                                  </p:childTnLst>
-                                </p:cTn>
-                              </p:par>
-                            </p:childTnLst>
-                          </p:cTn>
-                        </p:par>
-                        <p:par>
-                          <p:cTn id="34" fill="hold">
-                            <p:stCondLst>
-                              <p:cond delay="2000"/>
-                            </p:stCondLst>
-                            <p:childTnLst>
-                              <p:par>
-                                <p:cTn id="35" presetID="47" presetClass="entr" presetSubtype="0" fill="hold" grpId="0" nodeType="afterEffect">
-                                  <p:stCondLst>
-                                    <p:cond delay="0"/>
-                                  </p:stCondLst>
-                                  <p:childTnLst>
-                                    <p:set>
-                                      <p:cBhvr>
-                                        <p:cTn id="36" dur="1" fill="hold">
-                                          <p:stCondLst>
-                                            <p:cond delay="0"/>
-                                          </p:stCondLst>
-                                        </p:cTn>
-                                        <p:tgtEl>
-                                          <p:spTgt spid="3">
-                                            <p:txEl>
-                                              <p:pRg st="6" end="6"/>
-                                            </p:txEl>
-                                          </p:spTgt>
-                                        </p:tgtEl>
-                                        <p:attrNameLst>
-                                          <p:attrName>style.visibility</p:attrName>
-                                        </p:attrNameLst>
-                                      </p:cBhvr>
-                                      <p:to>
-                                        <p:strVal val="visible"/>
-                                      </p:to>
-                                    </p:set>
-                                    <p:animEffect transition="in" filter="fade">
-                                      <p:cBhvr>
-                                        <p:cTn id="37" dur="400"/>
-                                        <p:tgtEl>
-                                          <p:spTgt spid="3">
-                                            <p:txEl>
-                                              <p:pRg st="6" end="6"/>
-                                            </p:txEl>
-                                          </p:spTgt>
-                                        </p:tgtEl>
-                                      </p:cBhvr>
-                                    </p:animEffect>
-                                    <p:anim calcmode="lin" valueType="num">
-                                      <p:cBhvr>
-                                        <p:cTn id="38" dur="400" fill="hold"/>
-                                        <p:tgtEl>
-                                          <p:spTgt spid="3">
-                                            <p:txEl>
-                                              <p:pRg st="6" end="6"/>
-                                            </p:txEl>
-                                          </p:spTgt>
-                                        </p:tgtEl>
-                                        <p:attrNameLst>
-                                          <p:attrName>ppt_x</p:attrName>
-                                        </p:attrNameLst>
-                                      </p:cBhvr>
-                                      <p:tavLst>
-                                        <p:tav tm="0">
-                                          <p:val>
-                                            <p:strVal val="#ppt_x"/>
-                                          </p:val>
-                                        </p:tav>
-                                        <p:tav tm="100000">
-                                          <p:val>
-                                            <p:strVal val="#ppt_x"/>
-                                          </p:val>
-                                        </p:tav>
-                                      </p:tavLst>
-                                    </p:anim>
-                                    <p:anim calcmode="lin" valueType="num">
-                                      <p:cBhvr>
-                                        <p:cTn id="39" dur="400" fill="hold"/>
-                                        <p:tgtEl>
-                                          <p:spTgt spid="3">
-                                            <p:txEl>
-                                              <p:pRg st="6" end="6"/>
-                                            </p:txEl>
-                                          </p:spTgt>
-                                        </p:tgtEl>
-                                        <p:attrNameLst>
-                                          <p:attrName>ppt_y</p:attrName>
-                                        </p:attrNameLst>
-                                      </p:cBhvr>
-                                      <p:tavLst>
-                                        <p:tav tm="0">
-                                          <p:val>
-                                            <p:strVal val="#ppt_y-.1"/>
-                                          </p:val>
-                                        </p:tav>
-                                        <p:tav tm="100000">
-                                          <p:val>
-                                            <p:strVal val="#ppt_y"/>
-                                          </p:val>
-                                        </p:tav>
-                                      </p:tavLst>
-                                    </p:anim>
-                                  </p:childTnLst>
-                                </p:cTn>
-                              </p:par>
-                            </p:childTnLst>
-                          </p:cTn>
-                        </p:par>
-                        <p:par>
-                          <p:cTn id="40" fill="hold">
-                            <p:stCondLst>
-                              <p:cond delay="2400"/>
-                            </p:stCondLst>
-                            <p:childTnLst>
-                              <p:par>
-                                <p:cTn id="41" presetID="47" presetClass="entr" presetSubtype="0" fill="hold" grpId="0" nodeType="afterEffect">
-                                  <p:stCondLst>
-                                    <p:cond delay="0"/>
-                                  </p:stCondLst>
-                                  <p:childTnLst>
-                                    <p:set>
-                                      <p:cBhvr>
-                                        <p:cTn id="42" dur="1" fill="hold">
-                                          <p:stCondLst>
-                                            <p:cond delay="0"/>
-                                          </p:stCondLst>
-                                        </p:cTn>
-                                        <p:tgtEl>
-                                          <p:spTgt spid="3">
-                                            <p:txEl>
-                                              <p:pRg st="7" end="7"/>
-                                            </p:txEl>
-                                          </p:spTgt>
-                                        </p:tgtEl>
-                                        <p:attrNameLst>
-                                          <p:attrName>style.visibility</p:attrName>
-                                        </p:attrNameLst>
-                                      </p:cBhvr>
-                                      <p:to>
-                                        <p:strVal val="visible"/>
-                                      </p:to>
-                                    </p:set>
-                                    <p:animEffect transition="in" filter="fade">
-                                      <p:cBhvr>
-                                        <p:cTn id="43" dur="400"/>
-                                        <p:tgtEl>
-                                          <p:spTgt spid="3">
-                                            <p:txEl>
-                                              <p:pRg st="7" end="7"/>
-                                            </p:txEl>
-                                          </p:spTgt>
-                                        </p:tgtEl>
-                                      </p:cBhvr>
-                                    </p:animEffect>
-                                    <p:anim calcmode="lin" valueType="num">
-                                      <p:cBhvr>
-                                        <p:cTn id="44" dur="400" fill="hold"/>
-                                        <p:tgtEl>
-                                          <p:spTgt spid="3">
-                                            <p:txEl>
-                                              <p:pRg st="7" end="7"/>
-                                            </p:txEl>
-                                          </p:spTgt>
-                                        </p:tgtEl>
-                                        <p:attrNameLst>
-                                          <p:attrName>ppt_x</p:attrName>
-                                        </p:attrNameLst>
-                                      </p:cBhvr>
-                                      <p:tavLst>
-                                        <p:tav tm="0">
-                                          <p:val>
-                                            <p:strVal val="#ppt_x"/>
-                                          </p:val>
-                                        </p:tav>
-                                        <p:tav tm="100000">
-                                          <p:val>
-                                            <p:strVal val="#ppt_x"/>
-                                          </p:val>
-                                        </p:tav>
-                                      </p:tavLst>
-                                    </p:anim>
-                                    <p:anim calcmode="lin" valueType="num">
-                                      <p:cBhvr>
-                                        <p:cTn id="45" dur="400" fill="hold"/>
-                                        <p:tgtEl>
-                                          <p:spTgt spid="3">
-                                            <p:txEl>
-                                              <p:pRg st="7" end="7"/>
-                                            </p:txEl>
-                                          </p:spTgt>
-                                        </p:tgtEl>
-                                        <p:attrNameLst>
-                                          <p:attrName>ppt_y</p:attrName>
-                                        </p:attrNameLst>
-                                      </p:cBhvr>
-                                      <p:tavLst>
-                                        <p:tav tm="0">
-                                          <p:val>
-                                            <p:strVal val="#ppt_y-.1"/>
-                                          </p:val>
-                                        </p:tav>
-                                        <p:tav tm="100000">
-                                          <p:val>
-                                            <p:strVal val="#ppt_y"/>
-                                          </p:val>
-                                        </p:tav>
-                                      </p:tavLst>
-                                    </p:anim>
-                                  </p:childTnLst>
-                                </p:cTn>
-                              </p:par>
-                            </p:childTnLst>
-                          </p:cTn>
-                        </p:par>
-                        <p:par>
-                          <p:cTn id="46" fill="hold">
-                            <p:stCondLst>
-                              <p:cond delay="2800"/>
-                            </p:stCondLst>
-                            <p:childTnLst>
-                              <p:par>
-                                <p:cTn id="47" presetID="47" presetClass="entr" presetSubtype="0" fill="hold" grpId="0" nodeType="afterEffect">
-                                  <p:stCondLst>
-                                    <p:cond delay="0"/>
-                                  </p:stCondLst>
-                                  <p:childTnLst>
-                                    <p:set>
-                                      <p:cBhvr>
-                                        <p:cTn id="48" dur="1" fill="hold">
-                                          <p:stCondLst>
-                                            <p:cond delay="0"/>
-                                          </p:stCondLst>
-                                        </p:cTn>
-                                        <p:tgtEl>
-                                          <p:spTgt spid="3">
-                                            <p:txEl>
-                                              <p:pRg st="8" end="8"/>
-                                            </p:txEl>
-                                          </p:spTgt>
-                                        </p:tgtEl>
-                                        <p:attrNameLst>
-                                          <p:attrName>style.visibility</p:attrName>
-                                        </p:attrNameLst>
-                                      </p:cBhvr>
-                                      <p:to>
-                                        <p:strVal val="visible"/>
-                                      </p:to>
-                                    </p:set>
-                                    <p:animEffect transition="in" filter="fade">
-                                      <p:cBhvr>
-                                        <p:cTn id="49" dur="400"/>
-                                        <p:tgtEl>
-                                          <p:spTgt spid="3">
-                                            <p:txEl>
-                                              <p:pRg st="8" end="8"/>
-                                            </p:txEl>
-                                          </p:spTgt>
-                                        </p:tgtEl>
-                                      </p:cBhvr>
-                                    </p:animEffect>
-                                    <p:anim calcmode="lin" valueType="num">
-                                      <p:cBhvr>
-                                        <p:cTn id="50" dur="400" fill="hold"/>
-                                        <p:tgtEl>
-                                          <p:spTgt spid="3">
-                                            <p:txEl>
-                                              <p:pRg st="8" end="8"/>
-                                            </p:txEl>
-                                          </p:spTgt>
-                                        </p:tgtEl>
-                                        <p:attrNameLst>
-                                          <p:attrName>ppt_x</p:attrName>
-                                        </p:attrNameLst>
-                                      </p:cBhvr>
-                                      <p:tavLst>
-                                        <p:tav tm="0">
-                                          <p:val>
-                                            <p:strVal val="#ppt_x"/>
-                                          </p:val>
-                                        </p:tav>
-                                        <p:tav tm="100000">
-                                          <p:val>
-                                            <p:strVal val="#ppt_x"/>
-                                          </p:val>
-                                        </p:tav>
-                                      </p:tavLst>
-                                    </p:anim>
-                                    <p:anim calcmode="lin" valueType="num">
-                                      <p:cBhvr>
-                                        <p:cTn id="51" dur="400" fill="hold"/>
-                                        <p:tgtEl>
-                                          <p:spTgt spid="3">
-                                            <p:txEl>
-                                              <p:pRg st="8" end="8"/>
-                                            </p:txEl>
-                                          </p:spTgt>
-                                        </p:tgtEl>
-                                        <p:attrNameLst>
-                                          <p:attrName>ppt_y</p:attrName>
-                                        </p:attrNameLst>
-                                      </p:cBhvr>
-                                      <p:tavLst>
-                                        <p:tav tm="0">
-                                          <p:val>
-                                            <p:strVal val="#ppt_y-.1"/>
-                                          </p:val>
-                                        </p:tav>
-                                        <p:tav tm="100000">
-                                          <p:val>
-                                            <p:strVal val="#ppt_y"/>
-                                          </p:val>
-                                        </p:tav>
-                                      </p:tavLst>
-                                    </p:anim>
-                                  </p:childTnLst>
-                                </p:cTn>
-                              </p:par>
-                            </p:childTnLst>
-                          </p:cTn>
-                        </p:par>
-                      </p:childTnLst>
-                    </p:cTn>
-                  </p:par>
-                </p:childTnLst>
-              </p:cTn>
-              <p:prevCondLst>
-                <p:cond evt="onPrev" delay="0">
-                  <p:tgtEl>
-                    <p:sldTgt/>
-                  </p:tgtEl>
-                </p:cond>
-              </p:prevCondLst>
-              <p:nextCondLst>
-                <p:cond evt="onNext" delay="0">
-                  <p:tgtEl>
-                    <p:sldTgt/>
-                  </p:tgtEl>
-                </p:cond>
-              </p:nextCondLst>
-            </p:seq>
-          </p:childTnLst>
-        </p:cTn>
-      </p:par>
-    </p:tnLst>
-    <p:bldLst>
-      <p:bldP spid="3" grpId="0" build="p"/>
-    </p:bldLst>
-  </p:timing>
-</p:sld>
-</file>
-
 <file path=ppt/slides/slide5.xml><?xml version="1.0" encoding="utf-8"?>
 <p:sld xmlns:a="http://schemas.openxmlformats.org/drawingml/2006/main" xmlns:r="http://schemas.openxmlformats.org/officeDocument/2006/relationships" xmlns:p="http://schemas.openxmlformats.org/presentationml/2006/main">
   <p:cSld>
@@ -14655,6 +14655,24 @@
               <a:rPr lang="EN-US" sz="2400" dirty="0"/>
               <a:t>Assumption: User already booked a car.</a:t>
             </a:r>
+          </a:p>
+          <a:p>
+            <a:r>
+              <a:rPr lang="EN-US" sz="2800" dirty="0"/>
+              <a:t>Money Saving Options [G14]</a:t>
+            </a:r>
+            <a:endParaRPr lang="en-US" sz="2800" dirty="0"/>
+          </a:p>
+          <a:p>
+            <a:pPr lvl="1"/>
+            <a:r>
+              <a:rPr lang="EN-US" sz="2400" dirty="0"/>
+              <a:t>Assumption: The closest Special Parking Area is known.</a:t>
+            </a:r>
+            <a:r>
+              <a:rPr lang="EN-US" sz="2800" dirty="0"/>
+              <a:t> </a:t>
+            </a:r>
             <a:endParaRPr lang="en-US" sz="2400" dirty="0"/>
           </a:p>
           <a:p>
@@ -14671,29 +14689,6 @@
               <a:t>Assumption: Car is not moving.</a:t>
             </a:r>
             <a:endParaRPr lang="en-US" sz="2400" dirty="0"/>
-          </a:p>
-          <a:p>
-            <a:r>
-              <a:rPr lang="EN-US" sz="2800" dirty="0"/>
-              <a:t>Money Saving Options [G14]</a:t>
-            </a:r>
-            <a:endParaRPr lang="en-US" sz="2800" dirty="0"/>
-          </a:p>
-          <a:p>
-            <a:pPr lvl="1"/>
-            <a:r>
-              <a:rPr lang="EN-US" sz="2400" dirty="0"/>
-              <a:t>Assumption: The closest Special Parking Area </a:t>
-            </a:r>
-            <a:r>
-              <a:rPr lang="EN-US" sz="2400"/>
-              <a:t>is known.</a:t>
-            </a:r>
-            <a:r>
-              <a:rPr lang="EN-US" sz="2800" dirty="0"/>
-              <a:t> </a:t>
-            </a:r>
-            <a:endParaRPr lang="en-US" sz="2800" dirty="0"/>
           </a:p>
         </p:txBody>
       </p:sp>
@@ -14968,21 +14963,30 @@
                             </p:childTnLst>
                           </p:cTn>
                         </p:par>
+                      </p:childTnLst>
+                    </p:cTn>
+                  </p:par>
+                  <p:par>
+                    <p:cTn id="19" fill="hold">
+                      <p:stCondLst>
+                        <p:cond delay="indefinite"/>
+                      </p:stCondLst>
+                      <p:childTnLst>
                         <p:par>
-                          <p:cTn id="19" fill="hold">
+                          <p:cTn id="20" fill="hold">
                             <p:stCondLst>
-                              <p:cond delay="1500"/>
+                              <p:cond delay="0"/>
                             </p:stCondLst>
                             <p:childTnLst>
                               <p:par>
-                                <p:cTn id="20" presetID="47" presetClass="entr" presetSubtype="0" fill="hold" grpId="0" nodeType="afterEffect">
+                                <p:cTn id="21" presetID="2" presetClass="entr" presetSubtype="8" decel="80000" fill="hold" grpId="0" nodeType="clickEffect">
                                   <p:stCondLst>
                                     <p:cond delay="0"/>
                                   </p:stCondLst>
                                   <p:childTnLst>
                                     <p:set>
                                       <p:cBhvr>
-                                        <p:cTn id="21" dur="1" fill="hold">
+                                        <p:cTn id="22" dur="1" fill="hold">
                                           <p:stCondLst>
                                             <p:cond delay="0"/>
                                           </p:stCondLst>
@@ -15002,20 +15006,8 @@
                                         <p:strVal val="visible"/>
                                       </p:to>
                                     </p:set>
-                                    <p:animEffect transition="in" filter="fade">
-                                      <p:cBhvr>
-                                        <p:cTn id="22" dur="500"/>
-                                        <p:tgtEl>
-                                          <p:spTgt spid="3">
-                                            <p:txEl>
-                                              <p:pRg st="2" end="2"/>
-                                            </p:txEl>
-                                          </p:spTgt>
-                                        </p:tgtEl>
-                                      </p:cBhvr>
-                                    </p:animEffect>
                                     <p:anim calcmode="lin" valueType="num">
-                                      <p:cBhvr>
+                                      <p:cBhvr additive="base">
                                         <p:cTn id="23" dur="500" fill="hold"/>
                                         <p:tgtEl>
                                           <p:spTgt spid="3">
@@ -15031,7 +15023,7 @@
                                       <p:tavLst>
                                         <p:tav tm="0">
                                           <p:val>
-                                            <p:strVal val="#ppt_x"/>
+                                            <p:strVal val="0-#ppt_w/2"/>
                                           </p:val>
                                         </p:tav>
                                         <p:tav tm="100000">
@@ -15042,7 +15034,7 @@
                                       </p:tavLst>
                                     </p:anim>
                                     <p:anim calcmode="lin" valueType="num">
-                                      <p:cBhvr>
+                                      <p:cBhvr additive="base">
                                         <p:cTn id="24" dur="500" fill="hold"/>
                                         <p:tgtEl>
                                           <p:spTgt spid="3">
@@ -15058,7 +15050,92 @@
                                       <p:tavLst>
                                         <p:tav tm="0">
                                           <p:val>
-                                            <p:strVal val="#ppt_y-.1"/>
+                                            <p:strVal val="#ppt_y"/>
+                                          </p:val>
+                                        </p:tav>
+                                        <p:tav tm="100000">
+                                          <p:val>
+                                            <p:strVal val="#ppt_y"/>
+                                          </p:val>
+                                        </p:tav>
+                                      </p:tavLst>
+                                    </p:anim>
+                                  </p:childTnLst>
+                                </p:cTn>
+                              </p:par>
+                              <p:par>
+                                <p:cTn id="25" presetID="2" presetClass="entr" presetSubtype="8" decel="80000" fill="hold" grpId="0" nodeType="withEffect">
+                                  <p:stCondLst>
+                                    <p:cond delay="0"/>
+                                  </p:stCondLst>
+                                  <p:childTnLst>
+                                    <p:set>
+                                      <p:cBhvr>
+                                        <p:cTn id="26" dur="1" fill="hold">
+                                          <p:stCondLst>
+                                            <p:cond delay="0"/>
+                                          </p:stCondLst>
+                                        </p:cTn>
+                                        <p:tgtEl>
+                                          <p:spTgt spid="3">
+                                            <p:txEl>
+                                              <p:pRg st="3" end="3"/>
+                                            </p:txEl>
+                                          </p:spTgt>
+                                        </p:tgtEl>
+                                        <p:attrNameLst>
+                                          <p:attrName>style.visibility</p:attrName>
+                                        </p:attrNameLst>
+                                      </p:cBhvr>
+                                      <p:to>
+                                        <p:strVal val="visible"/>
+                                      </p:to>
+                                    </p:set>
+                                    <p:anim calcmode="lin" valueType="num">
+                                      <p:cBhvr additive="base">
+                                        <p:cTn id="27" dur="500" fill="hold"/>
+                                        <p:tgtEl>
+                                          <p:spTgt spid="3">
+                                            <p:txEl>
+                                              <p:pRg st="3" end="3"/>
+                                            </p:txEl>
+                                          </p:spTgt>
+                                        </p:tgtEl>
+                                        <p:attrNameLst>
+                                          <p:attrName>ppt_x</p:attrName>
+                                        </p:attrNameLst>
+                                      </p:cBhvr>
+                                      <p:tavLst>
+                                        <p:tav tm="0">
+                                          <p:val>
+                                            <p:strVal val="0-#ppt_w/2"/>
+                                          </p:val>
+                                        </p:tav>
+                                        <p:tav tm="100000">
+                                          <p:val>
+                                            <p:strVal val="#ppt_x"/>
+                                          </p:val>
+                                        </p:tav>
+                                      </p:tavLst>
+                                    </p:anim>
+                                    <p:anim calcmode="lin" valueType="num">
+                                      <p:cBhvr additive="base">
+                                        <p:cTn id="28" dur="500" fill="hold"/>
+                                        <p:tgtEl>
+                                          <p:spTgt spid="3">
+                                            <p:txEl>
+                                              <p:pRg st="3" end="3"/>
+                                            </p:txEl>
+                                          </p:spTgt>
+                                        </p:tgtEl>
+                                        <p:attrNameLst>
+                                          <p:attrName>ppt_y</p:attrName>
+                                        </p:attrNameLst>
+                                      </p:cBhvr>
+                                      <p:tavLst>
+                                        <p:tav tm="0">
+                                          <p:val>
+                                            <p:strVal val="#ppt_y"/>
                                           </p:val>
                                         </p:tav>
                                         <p:tav tm="100000">
@@ -15075,20 +15152,20 @@
                           </p:cTn>
                         </p:par>
                         <p:par>
-                          <p:cTn id="25" fill="hold">
+                          <p:cTn id="29" fill="hold">
                             <p:stCondLst>
-                              <p:cond delay="2000"/>
+                              <p:cond delay="500"/>
                             </p:stCondLst>
                             <p:childTnLst>
                               <p:par>
-                                <p:cTn id="26" presetID="2" presetClass="entr" presetSubtype="8" decel="80000" fill="hold" grpId="0" nodeType="afterEffect">
+                                <p:cTn id="30" presetID="47" presetClass="entr" presetSubtype="0" fill="hold" grpId="0" nodeType="afterEffect">
                                   <p:stCondLst>
                                     <p:cond delay="0"/>
                                   </p:stCondLst>
                                   <p:childTnLst>
                                     <p:set>
                                       <p:cBhvr>
-                                        <p:cTn id="27" dur="1" fill="hold">
+                                        <p:cTn id="31" dur="1" fill="hold">
                                           <p:stCondLst>
                                             <p:cond delay="0"/>
                                           </p:stCondLst>
@@ -15096,7 +15173,7 @@
                                         <p:tgtEl>
                                           <p:spTgt spid="3">
                                             <p:txEl>
-                                              <p:pRg st="3" end="3"/>
+                                              <p:pRg st="4" end="4"/>
                                             </p:txEl>
                                           </p:spTgt>
                                         </p:tgtEl>
@@ -15108,13 +15185,25 @@
                                         <p:strVal val="visible"/>
                                       </p:to>
                                     </p:set>
+                                    <p:animEffect transition="in" filter="fade">
+                                      <p:cBhvr>
+                                        <p:cTn id="32" dur="500"/>
+                                        <p:tgtEl>
+                                          <p:spTgt spid="3">
+                                            <p:txEl>
+                                              <p:pRg st="4" end="4"/>
+                                            </p:txEl>
+                                          </p:spTgt>
+                                        </p:tgtEl>
+                                      </p:cBhvr>
+                                    </p:animEffect>
                                     <p:anim calcmode="lin" valueType="num">
-                                      <p:cBhvr additive="base">
-                                        <p:cTn id="28" dur="500" fill="hold"/>
-                                        <p:tgtEl>
-                                          <p:spTgt spid="3">
-                                            <p:txEl>
-                                              <p:pRg st="3" end="3"/>
+                                      <p:cBhvr>
+                                        <p:cTn id="33" dur="500" fill="hold"/>
+                                        <p:tgtEl>
+                                          <p:spTgt spid="3">
+                                            <p:txEl>
+                                              <p:pRg st="4" end="4"/>
                                             </p:txEl>
                                           </p:spTgt>
                                         </p:tgtEl>
@@ -15125,7 +15214,7 @@
                                       <p:tavLst>
                                         <p:tav tm="0">
                                           <p:val>
-                                            <p:strVal val="0-#ppt_w/2"/>
+                                            <p:strVal val="#ppt_x"/>
                                           </p:val>
                                         </p:tav>
                                         <p:tav tm="100000">
@@ -15136,12 +15225,12 @@
                                       </p:tavLst>
                                     </p:anim>
                                     <p:anim calcmode="lin" valueType="num">
-                                      <p:cBhvr additive="base">
-                                        <p:cTn id="29" dur="500" fill="hold"/>
-                                        <p:tgtEl>
-                                          <p:spTgt spid="3">
-                                            <p:txEl>
-                                              <p:pRg st="3" end="3"/>
+                                      <p:cBhvr>
+                                        <p:cTn id="34" dur="500" fill="hold"/>
+                                        <p:tgtEl>
+                                          <p:spTgt spid="3">
+                                            <p:txEl>
+                                              <p:pRg st="4" end="4"/>
                                             </p:txEl>
                                           </p:spTgt>
                                         </p:tgtEl>
@@ -15152,7 +15241,7 @@
                                       <p:tavLst>
                                         <p:tav tm="0">
                                           <p:val>
-                                            <p:strVal val="#ppt_y"/>
+                                            <p:strVal val="#ppt_y-.1"/>
                                           </p:val>
                                         </p:tav>
                                         <p:tav tm="100000">
@@ -15169,126 +15258,20 @@
                           </p:cTn>
                         </p:par>
                         <p:par>
-                          <p:cTn id="30" fill="hold">
+                          <p:cTn id="35" fill="hold">
                             <p:stCondLst>
-                              <p:cond delay="2500"/>
+                              <p:cond delay="1000"/>
                             </p:stCondLst>
                             <p:childTnLst>
                               <p:par>
-                                <p:cTn id="31" presetID="47" presetClass="entr" presetSubtype="0" fill="hold" grpId="0" nodeType="afterEffect">
+                                <p:cTn id="36" presetID="2" presetClass="entr" presetSubtype="8" decel="80000" fill="hold" grpId="0" nodeType="afterEffect">
                                   <p:stCondLst>
                                     <p:cond delay="0"/>
                                   </p:stCondLst>
                                   <p:childTnLst>
                                     <p:set>
                                       <p:cBhvr>
-                                        <p:cTn id="32" dur="1" fill="hold">
-                                          <p:stCondLst>
-                                            <p:cond delay="0"/>
-                                          </p:stCondLst>
-                                        </p:cTn>
-                                        <p:tgtEl>
-                                          <p:spTgt spid="3">
-                                            <p:txEl>
-                                              <p:pRg st="4" end="4"/>
-                                            </p:txEl>
-                                          </p:spTgt>
-                                        </p:tgtEl>
-                                        <p:attrNameLst>
-                                          <p:attrName>style.visibility</p:attrName>
-                                        </p:attrNameLst>
-                                      </p:cBhvr>
-                                      <p:to>
-                                        <p:strVal val="visible"/>
-                                      </p:to>
-                                    </p:set>
-                                    <p:animEffect transition="in" filter="fade">
-                                      <p:cBhvr>
-                                        <p:cTn id="33" dur="500"/>
-                                        <p:tgtEl>
-                                          <p:spTgt spid="3">
-                                            <p:txEl>
-                                              <p:pRg st="4" end="4"/>
-                                            </p:txEl>
-                                          </p:spTgt>
-                                        </p:tgtEl>
-                                      </p:cBhvr>
-                                    </p:animEffect>
-                                    <p:anim calcmode="lin" valueType="num">
-                                      <p:cBhvr>
-                                        <p:cTn id="34" dur="500" fill="hold"/>
-                                        <p:tgtEl>
-                                          <p:spTgt spid="3">
-                                            <p:txEl>
-                                              <p:pRg st="4" end="4"/>
-                                            </p:txEl>
-                                          </p:spTgt>
-                                        </p:tgtEl>
-                                        <p:attrNameLst>
-                                          <p:attrName>ppt_x</p:attrName>
-                                        </p:attrNameLst>
-                                      </p:cBhvr>
-                                      <p:tavLst>
-                                        <p:tav tm="0">
-                                          <p:val>
-                                            <p:strVal val="#ppt_x"/>
-                                          </p:val>
-                                        </p:tav>
-                                        <p:tav tm="100000">
-                                          <p:val>
-                                            <p:strVal val="#ppt_x"/>
-                                          </p:val>
-                                        </p:tav>
-                                      </p:tavLst>
-                                    </p:anim>
-                                    <p:anim calcmode="lin" valueType="num">
-                                      <p:cBhvr>
-                                        <p:cTn id="35" dur="500" fill="hold"/>
-                                        <p:tgtEl>
-                                          <p:spTgt spid="3">
-                                            <p:txEl>
-                                              <p:pRg st="4" end="4"/>
-                                            </p:txEl>
-                                          </p:spTgt>
-                                        </p:tgtEl>
-                                        <p:attrNameLst>
-                                          <p:attrName>ppt_y</p:attrName>
-                                        </p:attrNameLst>
-                                      </p:cBhvr>
-                                      <p:tavLst>
-                                        <p:tav tm="0">
-                                          <p:val>
-                                            <p:strVal val="#ppt_y-.1"/>
-                                          </p:val>
-                                        </p:tav>
-                                        <p:tav tm="100000">
-                                          <p:val>
-                                            <p:strVal val="#ppt_y"/>
-                                          </p:val>
-                                        </p:tav>
-                                      </p:tavLst>
-                                    </p:anim>
-                                  </p:childTnLst>
-                                </p:cTn>
-                              </p:par>
-                            </p:childTnLst>
-                          </p:cTn>
-                        </p:par>
-                        <p:par>
-                          <p:cTn id="36" fill="hold">
-                            <p:stCondLst>
-                              <p:cond delay="3000"/>
-                            </p:stCondLst>
-                            <p:childTnLst>
-                              <p:par>
-                                <p:cTn id="37" presetID="2" presetClass="entr" presetSubtype="8" decel="80000" fill="hold" grpId="0" nodeType="afterEffect">
-                                  <p:stCondLst>
-                                    <p:cond delay="0"/>
-                                  </p:stCondLst>
-                                  <p:childTnLst>
-                                    <p:set>
-                                      <p:cBhvr>
-                                        <p:cTn id="38" dur="1" fill="hold">
+                                        <p:cTn id="37" dur="1" fill="hold">
                                           <p:stCondLst>
                                             <p:cond delay="0"/>
                                           </p:stCondLst>
@@ -15310,7 +15293,7 @@
                                     </p:set>
                                     <p:anim calcmode="lin" valueType="num">
                                       <p:cBhvr additive="base">
-                                        <p:cTn id="39" dur="500" fill="hold"/>
+                                        <p:cTn id="38" dur="500" fill="hold"/>
                                         <p:tgtEl>
                                           <p:spTgt spid="3">
                                             <p:txEl>
@@ -15337,7 +15320,7 @@
                                     </p:anim>
                                     <p:anim calcmode="lin" valueType="num">
                                       <p:cBhvr additive="base">
-                                        <p:cTn id="40" dur="500" fill="hold"/>
+                                        <p:cTn id="39" dur="500" fill="hold"/>
                                         <p:tgtEl>
                                           <p:spTgt spid="3">
                                             <p:txEl>
